--- a/imgs/poster?/Goallective.pptx
+++ b/imgs/poster?/Goallective.pptx
@@ -288,7 +288,7 @@
           <a:p>
             <a:fld id="{170A8C5F-9144-D64D-AF7D-E3D99CD74714}" type="datetimeFigureOut">
               <a:rPr lang="en-US" smtClean="0"/>
-              <a:t>4/27/16</a:t>
+              <a:t>4/30/16</a:t>
             </a:fld>
             <a:endParaRPr lang="en-US" dirty="0"/>
           </a:p>
@@ -458,7 +458,7 @@
           <a:p>
             <a:fld id="{170A8C5F-9144-D64D-AF7D-E3D99CD74714}" type="datetimeFigureOut">
               <a:rPr lang="en-US" smtClean="0"/>
-              <a:t>4/27/16</a:t>
+              <a:t>4/30/16</a:t>
             </a:fld>
             <a:endParaRPr lang="en-US" dirty="0"/>
           </a:p>
@@ -638,7 +638,7 @@
           <a:p>
             <a:fld id="{170A8C5F-9144-D64D-AF7D-E3D99CD74714}" type="datetimeFigureOut">
               <a:rPr lang="en-US" smtClean="0"/>
-              <a:t>4/27/16</a:t>
+              <a:t>4/30/16</a:t>
             </a:fld>
             <a:endParaRPr lang="en-US" dirty="0"/>
           </a:p>
@@ -808,7 +808,7 @@
           <a:p>
             <a:fld id="{170A8C5F-9144-D64D-AF7D-E3D99CD74714}" type="datetimeFigureOut">
               <a:rPr lang="en-US" smtClean="0"/>
-              <a:t>4/27/16</a:t>
+              <a:t>4/30/16</a:t>
             </a:fld>
             <a:endParaRPr lang="en-US" dirty="0"/>
           </a:p>
@@ -1054,7 +1054,7 @@
           <a:p>
             <a:fld id="{170A8C5F-9144-D64D-AF7D-E3D99CD74714}" type="datetimeFigureOut">
               <a:rPr lang="en-US" smtClean="0"/>
-              <a:t>4/27/16</a:t>
+              <a:t>4/30/16</a:t>
             </a:fld>
             <a:endParaRPr lang="en-US" dirty="0"/>
           </a:p>
@@ -1342,7 +1342,7 @@
           <a:p>
             <a:fld id="{170A8C5F-9144-D64D-AF7D-E3D99CD74714}" type="datetimeFigureOut">
               <a:rPr lang="en-US" smtClean="0"/>
-              <a:t>4/27/16</a:t>
+              <a:t>4/30/16</a:t>
             </a:fld>
             <a:endParaRPr lang="en-US" dirty="0"/>
           </a:p>
@@ -1769,7 +1769,7 @@
           <a:p>
             <a:fld id="{170A8C5F-9144-D64D-AF7D-E3D99CD74714}" type="datetimeFigureOut">
               <a:rPr lang="en-US" smtClean="0"/>
-              <a:t>4/27/16</a:t>
+              <a:t>4/30/16</a:t>
             </a:fld>
             <a:endParaRPr lang="en-US" dirty="0"/>
           </a:p>
@@ -1887,7 +1887,7 @@
           <a:p>
             <a:fld id="{170A8C5F-9144-D64D-AF7D-E3D99CD74714}" type="datetimeFigureOut">
               <a:rPr lang="en-US" smtClean="0"/>
-              <a:t>4/27/16</a:t>
+              <a:t>4/30/16</a:t>
             </a:fld>
             <a:endParaRPr lang="en-US" dirty="0"/>
           </a:p>
@@ -1982,7 +1982,7 @@
           <a:p>
             <a:fld id="{170A8C5F-9144-D64D-AF7D-E3D99CD74714}" type="datetimeFigureOut">
               <a:rPr lang="en-US" smtClean="0"/>
-              <a:t>4/27/16</a:t>
+              <a:t>4/30/16</a:t>
             </a:fld>
             <a:endParaRPr lang="en-US" dirty="0"/>
           </a:p>
@@ -2259,7 +2259,7 @@
           <a:p>
             <a:fld id="{170A8C5F-9144-D64D-AF7D-E3D99CD74714}" type="datetimeFigureOut">
               <a:rPr lang="en-US" smtClean="0"/>
-              <a:t>4/27/16</a:t>
+              <a:t>4/30/16</a:t>
             </a:fld>
             <a:endParaRPr lang="en-US" dirty="0"/>
           </a:p>
@@ -2512,7 +2512,7 @@
           <a:p>
             <a:fld id="{170A8C5F-9144-D64D-AF7D-E3D99CD74714}" type="datetimeFigureOut">
               <a:rPr lang="en-US" smtClean="0"/>
-              <a:t>4/27/16</a:t>
+              <a:t>4/30/16</a:t>
             </a:fld>
             <a:endParaRPr lang="en-US" dirty="0"/>
           </a:p>
@@ -2725,7 +2725,7 @@
           <a:p>
             <a:fld id="{170A8C5F-9144-D64D-AF7D-E3D99CD74714}" type="datetimeFigureOut">
               <a:rPr lang="en-US" smtClean="0"/>
-              <a:t>4/27/16</a:t>
+              <a:t>4/30/16</a:t>
             </a:fld>
             <a:endParaRPr lang="en-US" dirty="0"/>
           </a:p>
@@ -3153,8 +3153,8 @@
         </p:blipFill>
         <p:spPr>
           <a:xfrm>
-            <a:off x="663883" y="8940157"/>
-            <a:ext cx="11546111" cy="22555736"/>
+            <a:off x="990439" y="8891389"/>
+            <a:ext cx="11019473" cy="21526930"/>
           </a:xfrm>
           <a:prstGeom prst="rect">
             <a:avLst/>
@@ -3183,8 +3183,8 @@
         </p:blipFill>
         <p:spPr>
           <a:xfrm>
-            <a:off x="1808761" y="12326592"/>
-            <a:ext cx="9216960" cy="16086182"/>
+            <a:off x="2135317" y="11982736"/>
+            <a:ext cx="8796559" cy="15352464"/>
           </a:xfrm>
           <a:prstGeom prst="rect">
             <a:avLst/>
@@ -3264,7 +3264,7 @@
         </p:nvSpPr>
         <p:spPr>
           <a:xfrm>
-            <a:off x="13010189" y="10718017"/>
+            <a:off x="13010189" y="9994813"/>
             <a:ext cx="19368434" cy="13511391"/>
           </a:xfrm>
           <a:prstGeom prst="rect">
@@ -3360,8 +3360,8 @@
         </p:nvSpPr>
         <p:spPr>
           <a:xfrm>
-            <a:off x="25796266" y="25946761"/>
-            <a:ext cx="5754966" cy="4932025"/>
+            <a:off x="25796266" y="23564821"/>
+            <a:ext cx="5754966" cy="5425228"/>
           </a:xfrm>
           <a:prstGeom prst="rect">
             <a:avLst/>
@@ -3400,8 +3400,8 @@
         </p:nvSpPr>
         <p:spPr>
           <a:xfrm>
-            <a:off x="25974067" y="26699816"/>
-            <a:ext cx="5445733" cy="4093428"/>
+            <a:off x="25974067" y="24359807"/>
+            <a:ext cx="5445733" cy="4502771"/>
           </a:xfrm>
           <a:prstGeom prst="rect">
             <a:avLst/>
@@ -3487,8 +3487,8 @@
         </p:nvSpPr>
         <p:spPr>
           <a:xfrm>
-            <a:off x="19310480" y="25946761"/>
-            <a:ext cx="5754966" cy="4932025"/>
+            <a:off x="19310480" y="23564821"/>
+            <a:ext cx="5754966" cy="5425228"/>
           </a:xfrm>
           <a:prstGeom prst="rect">
             <a:avLst/>
@@ -3527,8 +3527,8 @@
         </p:nvSpPr>
         <p:spPr>
           <a:xfrm>
-            <a:off x="12819680" y="25946761"/>
-            <a:ext cx="5754966" cy="4932025"/>
+            <a:off x="12819680" y="23564821"/>
+            <a:ext cx="5754966" cy="5425228"/>
           </a:xfrm>
           <a:prstGeom prst="rect">
             <a:avLst/>
@@ -3567,8 +3567,8 @@
         </p:nvSpPr>
         <p:spPr>
           <a:xfrm>
-            <a:off x="13010189" y="27212445"/>
-            <a:ext cx="5379411" cy="2400657"/>
+            <a:off x="13010189" y="24957074"/>
+            <a:ext cx="5379411" cy="2640723"/>
           </a:xfrm>
           <a:prstGeom prst="rect">
             <a:avLst/>
@@ -3608,17 +3608,7 @@
                 <a:latin typeface="Helvetica"/>
                 <a:cs typeface="Helvetica"/>
               </a:rPr>
-              <a:t>Get </a:t>
-            </a:r>
-            <a:r>
-              <a:rPr lang="en-US" sz="5000" b="1" dirty="0" smtClean="0">
-                <a:solidFill>
-                  <a:srgbClr val="000000"/>
-                </a:solidFill>
-                <a:latin typeface="Helvetica"/>
-                <a:cs typeface="Helvetica"/>
-              </a:rPr>
-              <a:t>inspired by the goals of others</a:t>
+              <a:t>Get inspired by the goals of others</a:t>
             </a:r>
           </a:p>
         </p:txBody>
@@ -3631,8 +3621,8 @@
         </p:nvSpPr>
         <p:spPr>
           <a:xfrm>
-            <a:off x="19905133" y="27212445"/>
-            <a:ext cx="4576113" cy="2400657"/>
+            <a:off x="19905133" y="24957074"/>
+            <a:ext cx="4576113" cy="2640723"/>
           </a:xfrm>
           <a:prstGeom prst="rect">
             <a:avLst/>
@@ -3685,8 +3675,8 @@
         </p:nvSpPr>
         <p:spPr>
           <a:xfrm>
-            <a:off x="1808761" y="32400964"/>
-            <a:ext cx="9216960" cy="1631216"/>
+            <a:off x="11347528" y="30141166"/>
+            <a:ext cx="10261847" cy="1323439"/>
           </a:xfrm>
           <a:prstGeom prst="rect">
             <a:avLst/>
@@ -3699,14 +3689,22 @@
           </a:bodyPr>
           <a:lstStyle/>
           <a:p>
-            <a:r>
-              <a:rPr lang="en-US" sz="10000" b="1" i="1" dirty="0" smtClean="0">
+            <a:pPr algn="ctr"/>
+            <a:r>
+              <a:rPr lang="en-US" sz="8000" b="1" dirty="0" smtClean="0">
                 <a:latin typeface="Helvetica"/>
                 <a:cs typeface="Helvetica"/>
               </a:rPr>
-              <a:t>Our process</a:t>
-            </a:r>
-            <a:endParaRPr lang="en-US" sz="10000" b="1" i="1" dirty="0">
+              <a:t>We started by</a:t>
+            </a:r>
+            <a:r>
+              <a:rPr lang="is-IS" sz="8000" b="1" dirty="0" smtClean="0">
+                <a:latin typeface="Helvetica"/>
+                <a:cs typeface="Helvetica"/>
+              </a:rPr>
+              <a:t>…</a:t>
+            </a:r>
+            <a:endParaRPr lang="en-US" sz="8000" b="1" dirty="0">
               <a:latin typeface="Helvetica"/>
               <a:cs typeface="Helvetica"/>
             </a:endParaRPr>
@@ -3715,7 +3713,7 @@
       </p:sp>
       <p:pic>
         <p:nvPicPr>
-          <p:cNvPr id="10" name="Picture 9" descr="Screen Shot 2016-04-27 at 10.42.25 PM.png"/>
+          <p:cNvPr id="17" name="Picture 16" descr="Screen Shot 2016-04-27 at 10.42.09 PM.png"/>
           <p:cNvPicPr>
             <a:picLocks noChangeAspect="1"/>
           </p:cNvPicPr>
@@ -3734,9 +3732,9 @@
           </a:stretch>
         </p:blipFill>
         <p:spPr>
-          <a:xfrm>
-            <a:off x="3365500" y="34925000"/>
-            <a:ext cx="4914900" cy="8316271"/>
+          <a:xfrm rot="20939432">
+            <a:off x="12978775" y="33999805"/>
+            <a:ext cx="3946053" cy="6712223"/>
           </a:xfrm>
           <a:prstGeom prst="rect">
             <a:avLst/>
@@ -3745,7 +3743,7 @@
       </p:pic>
       <p:pic>
         <p:nvPicPr>
-          <p:cNvPr id="17" name="Picture 16" descr="Screen Shot 2016-04-27 at 10.42.09 PM.png"/>
+          <p:cNvPr id="19" name="Picture 18" descr="Screen Shot 2016-04-27 at 10.42.52 PM.png"/>
           <p:cNvPicPr>
             <a:picLocks noChangeAspect="1"/>
           </p:cNvPicPr>
@@ -3764,18 +3762,23 @@
           </a:stretch>
         </p:blipFill>
         <p:spPr>
-          <a:xfrm>
-            <a:off x="14173199" y="34950400"/>
-            <a:ext cx="4874125" cy="8290871"/>
+          <a:xfrm rot="680270">
+            <a:off x="15783193" y="34655511"/>
+            <a:ext cx="4053106" cy="6839617"/>
           </a:xfrm>
           <a:prstGeom prst="rect">
             <a:avLst/>
           </a:prstGeom>
+          <a:ln>
+            <a:solidFill>
+              <a:schemeClr val="tx1"/>
+            </a:solidFill>
+          </a:ln>
         </p:spPr>
       </p:pic>
       <p:pic>
         <p:nvPicPr>
-          <p:cNvPr id="19" name="Picture 18" descr="Screen Shot 2016-04-27 at 10.42.52 PM.png"/>
+          <p:cNvPr id="13" name="Picture 12" descr="IMG_0534 copy.jpg"/>
           <p:cNvPicPr>
             <a:picLocks noChangeAspect="1"/>
           </p:cNvPicPr>
@@ -3795,14 +3798,59 @@
         </p:blipFill>
         <p:spPr>
           <a:xfrm>
-            <a:off x="24152724" y="34925000"/>
-            <a:ext cx="4879476" cy="8234116"/>
+            <a:off x="1986842" y="34298181"/>
+            <a:ext cx="8591389" cy="6910297"/>
           </a:xfrm>
           <a:prstGeom prst="rect">
             <a:avLst/>
           </a:prstGeom>
+          <a:effectLst>
+            <a:outerShdw blurRad="606425" dist="279400" dir="3420000" algn="tl" rotWithShape="0">
+              <a:prstClr val="black">
+                <a:alpha val="20000"/>
+              </a:prstClr>
+            </a:outerShdw>
+          </a:effectLst>
         </p:spPr>
       </p:pic>
+      <p:sp>
+        <p:nvSpPr>
+          <p:cNvPr id="14" name="TextBox 13"/>
+          <p:cNvSpPr txBox="1"/>
+          <p:nvPr/>
+        </p:nvSpPr>
+        <p:spPr>
+          <a:xfrm>
+            <a:off x="1596483" y="31966738"/>
+            <a:ext cx="8952804" cy="1754327"/>
+          </a:xfrm>
+          <a:prstGeom prst="rect">
+            <a:avLst/>
+          </a:prstGeom>
+          <a:noFill/>
+        </p:spPr>
+        <p:txBody>
+          <a:bodyPr wrap="none" rtlCol="0">
+            <a:spAutoFit/>
+          </a:bodyPr>
+          <a:lstStyle/>
+          <a:p>
+            <a:pPr algn="ctr"/>
+            <a:r>
+              <a:rPr lang="en-US" sz="5400" dirty="0" smtClean="0"/>
+              <a:t>Choosing our target user group</a:t>
+            </a:r>
+          </a:p>
+          <a:p>
+            <a:pPr algn="ctr"/>
+            <a:r>
+              <a:rPr lang="en-US" sz="5400" dirty="0" smtClean="0"/>
+              <a:t>and discovering their needs</a:t>
+            </a:r>
+            <a:endParaRPr lang="en-US" sz="5400" dirty="0"/>
+          </a:p>
+        </p:txBody>
+      </p:sp>
     </p:spTree>
     <p:extLst>
       <p:ext uri="{BB962C8B-B14F-4D97-AF65-F5344CB8AC3E}">

--- a/imgs/poster?/Goallective.pptx
+++ b/imgs/poster?/Goallective.pptx
@@ -3265,7 +3265,7 @@
         <p:spPr>
           <a:xfrm>
             <a:off x="13010189" y="9994813"/>
-            <a:ext cx="19368434" cy="13511391"/>
+            <a:ext cx="19368434" cy="12895839"/>
           </a:xfrm>
           <a:prstGeom prst="rect">
             <a:avLst/>
@@ -3294,7 +3294,7 @@
           </a:p>
           <a:p>
             <a:r>
-              <a:rPr lang="en-US" sz="7000" i="1" dirty="0" smtClean="0">
+              <a:rPr lang="en-US" sz="6600" i="1" dirty="0" smtClean="0">
                 <a:latin typeface="Helvetica Light"/>
                 <a:cs typeface="Helvetica Light"/>
               </a:rPr>
@@ -3302,14 +3302,14 @@
             </a:r>
           </a:p>
           <a:p>
-            <a:endParaRPr lang="en-US" sz="7000" i="1" dirty="0">
+            <a:endParaRPr lang="en-US" sz="6600" i="1" dirty="0">
               <a:latin typeface="Helvetica Light"/>
               <a:cs typeface="Helvetica Light"/>
             </a:endParaRPr>
           </a:p>
           <a:p>
             <a:r>
-              <a:rPr lang="en-US" sz="7000" i="1" dirty="0" smtClean="0">
+              <a:rPr lang="en-US" sz="6600" i="1" dirty="0" smtClean="0">
                 <a:latin typeface="Helvetica Light"/>
                 <a:cs typeface="Helvetica Light"/>
               </a:rPr>
@@ -3317,14 +3317,14 @@
             </a:r>
           </a:p>
           <a:p>
-            <a:endParaRPr lang="en-US" sz="7000" i="1" dirty="0">
+            <a:endParaRPr lang="en-US" sz="6600" i="1" dirty="0">
               <a:latin typeface="Helvetica Light"/>
               <a:cs typeface="Helvetica Light"/>
             </a:endParaRPr>
           </a:p>
           <a:p>
             <a:r>
-              <a:rPr lang="en-US" sz="7000" i="1" dirty="0" smtClean="0">
+              <a:rPr lang="en-US" sz="6600" i="1" dirty="0" smtClean="0">
                 <a:latin typeface="Helvetica Light"/>
                 <a:cs typeface="Helvetica Light"/>
               </a:rPr>
@@ -3332,20 +3332,20 @@
             </a:r>
           </a:p>
           <a:p>
-            <a:endParaRPr lang="en-US" sz="7000" i="1" dirty="0">
+            <a:endParaRPr lang="en-US" sz="6600" i="1" dirty="0">
               <a:latin typeface="Helvetica Light"/>
               <a:cs typeface="Helvetica Light"/>
             </a:endParaRPr>
           </a:p>
           <a:p>
             <a:r>
-              <a:rPr lang="en-US" sz="7000" i="1" dirty="0" smtClean="0">
+              <a:rPr lang="en-US" sz="6600" i="1" dirty="0" smtClean="0">
                 <a:latin typeface="Helvetica Light"/>
                 <a:cs typeface="Helvetica Light"/>
               </a:rPr>
               <a:t>You were trying to overcome your seasonal depression?</a:t>
             </a:r>
-            <a:endParaRPr lang="en-US" sz="7000" i="1" dirty="0">
+            <a:endParaRPr lang="en-US" sz="6600" i="1" dirty="0">
               <a:latin typeface="Helvetica Light"/>
               <a:cs typeface="Helvetica Light"/>
             </a:endParaRPr>
@@ -3711,9 +3711,93 @@
           </a:p>
         </p:txBody>
       </p:sp>
+      <p:sp>
+        <p:nvSpPr>
+          <p:cNvPr id="14" name="TextBox 13"/>
+          <p:cNvSpPr txBox="1"/>
+          <p:nvPr/>
+        </p:nvSpPr>
+        <p:spPr>
+          <a:xfrm>
+            <a:off x="1935475" y="32152588"/>
+            <a:ext cx="8274821" cy="1631216"/>
+          </a:xfrm>
+          <a:prstGeom prst="rect">
+            <a:avLst/>
+          </a:prstGeom>
+          <a:noFill/>
+        </p:spPr>
+        <p:txBody>
+          <a:bodyPr wrap="none" rtlCol="0">
+            <a:spAutoFit/>
+          </a:bodyPr>
+          <a:lstStyle/>
+          <a:p>
+            <a:pPr algn="ctr"/>
+            <a:r>
+              <a:rPr lang="en-US" sz="5000" dirty="0" smtClean="0">
+                <a:latin typeface="Helvetica"/>
+                <a:cs typeface="Helvetica"/>
+              </a:rPr>
+              <a:t>Interviewing our target users</a:t>
+            </a:r>
+          </a:p>
+          <a:p>
+            <a:pPr algn="ctr"/>
+            <a:r>
+              <a:rPr lang="en-US" sz="5000" dirty="0" smtClean="0">
+                <a:latin typeface="Helvetica"/>
+                <a:cs typeface="Helvetica"/>
+              </a:rPr>
+              <a:t>to discover their needs</a:t>
+            </a:r>
+            <a:endParaRPr lang="en-US" sz="5000" dirty="0">
+              <a:latin typeface="Helvetica"/>
+              <a:cs typeface="Helvetica"/>
+            </a:endParaRPr>
+          </a:p>
+        </p:txBody>
+      </p:sp>
+      <p:sp>
+        <p:nvSpPr>
+          <p:cNvPr id="20" name="TextBox 19"/>
+          <p:cNvSpPr txBox="1"/>
+          <p:nvPr/>
+        </p:nvSpPr>
+        <p:spPr>
+          <a:xfrm>
+            <a:off x="12293670" y="40948038"/>
+            <a:ext cx="8952654" cy="861774"/>
+          </a:xfrm>
+          <a:prstGeom prst="rect">
+            <a:avLst/>
+          </a:prstGeom>
+          <a:noFill/>
+        </p:spPr>
+        <p:txBody>
+          <a:bodyPr wrap="none" rtlCol="0">
+            <a:spAutoFit/>
+          </a:bodyPr>
+          <a:lstStyle/>
+          <a:p>
+            <a:pPr algn="ctr"/>
+            <a:r>
+              <a:rPr lang="en-US" sz="5000" dirty="0" smtClean="0">
+                <a:latin typeface="Helvetica"/>
+                <a:cs typeface="Helvetica"/>
+              </a:rPr>
+              <a:t>Developing multiple prototypes</a:t>
+            </a:r>
+            <a:endParaRPr lang="en-US" sz="5000" dirty="0">
+              <a:latin typeface="Helvetica"/>
+              <a:cs typeface="Helvetica"/>
+            </a:endParaRPr>
+          </a:p>
+        </p:txBody>
+      </p:sp>
       <p:pic>
         <p:nvPicPr>
-          <p:cNvPr id="17" name="Picture 16" descr="Screen Shot 2016-04-27 at 10.42.09 PM.png"/>
+          <p:cNvPr id="18" name="Picture 17" descr="IMG_0526.JPG"/>
           <p:cNvPicPr>
             <a:picLocks noChangeAspect="1"/>
           </p:cNvPicPr>
@@ -3732,18 +3816,28 @@
           </a:stretch>
         </p:blipFill>
         <p:spPr>
-          <a:xfrm rot="20939432">
-            <a:off x="12978775" y="33999805"/>
-            <a:ext cx="3946053" cy="6712223"/>
+          <a:xfrm rot="10637692">
+            <a:off x="1693348" y="34454830"/>
+            <a:ext cx="5650954" cy="4238215"/>
           </a:xfrm>
           <a:prstGeom prst="rect">
             <a:avLst/>
           </a:prstGeom>
+          <a:ln>
+            <a:noFill/>
+          </a:ln>
+          <a:effectLst>
+            <a:outerShdw blurRad="469900" dist="50800" dir="2700000" sx="102000" sy="102000" algn="tl" rotWithShape="0">
+              <a:srgbClr val="000000">
+                <a:alpha val="20000"/>
+              </a:srgbClr>
+            </a:outerShdw>
+          </a:effectLst>
         </p:spPr>
       </p:pic>
       <p:pic>
         <p:nvPicPr>
-          <p:cNvPr id="19" name="Picture 18" descr="Screen Shot 2016-04-27 at 10.42.52 PM.png"/>
+          <p:cNvPr id="13" name="Picture 12" descr="IMG_0534 copy.jpg"/>
           <p:cNvPicPr>
             <a:picLocks noChangeAspect="1"/>
           </p:cNvPicPr>
@@ -3762,23 +3856,25 @@
           </a:stretch>
         </p:blipFill>
         <p:spPr>
-          <a:xfrm rot="680270">
-            <a:off x="15783193" y="34655511"/>
-            <a:ext cx="4053106" cy="6839617"/>
+          <a:xfrm rot="414717">
+            <a:off x="5131537" y="38060783"/>
+            <a:ext cx="5314575" cy="4274663"/>
           </a:xfrm>
           <a:prstGeom prst="rect">
             <a:avLst/>
           </a:prstGeom>
-          <a:ln>
-            <a:solidFill>
-              <a:schemeClr val="tx1"/>
-            </a:solidFill>
-          </a:ln>
+          <a:effectLst>
+            <a:outerShdw blurRad="469900" dist="50800" dir="3420000" sx="102000" sy="102000" algn="tl" rotWithShape="0">
+              <a:prstClr val="black">
+                <a:alpha val="20000"/>
+              </a:prstClr>
+            </a:outerShdw>
+          </a:effectLst>
         </p:spPr>
       </p:pic>
       <p:pic>
         <p:nvPicPr>
-          <p:cNvPr id="13" name="Picture 12" descr="IMG_0534 copy.jpg"/>
+          <p:cNvPr id="21" name="Picture 20" descr="weight_loss_feed.jpg"/>
           <p:cNvPicPr>
             <a:picLocks noChangeAspect="1"/>
           </p:cNvPicPr>
@@ -3797,32 +3893,32 @@
           </a:stretch>
         </p:blipFill>
         <p:spPr>
-          <a:xfrm>
-            <a:off x="1986842" y="34298181"/>
-            <a:ext cx="8591389" cy="6910297"/>
+          <a:xfrm rot="21329710">
+            <a:off x="12426594" y="32911087"/>
+            <a:ext cx="4019324" cy="6832851"/>
           </a:xfrm>
           <a:prstGeom prst="rect">
             <a:avLst/>
           </a:prstGeom>
           <a:effectLst>
-            <a:outerShdw blurRad="606425" dist="279400" dir="3420000" algn="tl" rotWithShape="0">
-              <a:prstClr val="black">
+            <a:outerShdw blurRad="469900" dist="50800" dir="2700000" sx="102000" sy="102000" algn="tl" rotWithShape="0">
+              <a:srgbClr val="000000">
                 <a:alpha val="20000"/>
-              </a:prstClr>
+              </a:srgbClr>
             </a:outerShdw>
           </a:effectLst>
         </p:spPr>
       </p:pic>
       <p:sp>
         <p:nvSpPr>
-          <p:cNvPr id="14" name="TextBox 13"/>
+          <p:cNvPr id="22" name="TextBox 21"/>
           <p:cNvSpPr txBox="1"/>
           <p:nvPr/>
         </p:nvSpPr>
         <p:spPr>
           <a:xfrm>
-            <a:off x="1596483" y="31966738"/>
-            <a:ext cx="8952804" cy="1754327"/>
+            <a:off x="22687188" y="32269875"/>
+            <a:ext cx="8775447" cy="1631216"/>
           </a:xfrm>
           <a:prstGeom prst="rect">
             <a:avLst/>
@@ -3837,17 +3933,33 @@
           <a:p>
             <a:pPr algn="ctr"/>
             <a:r>
-              <a:rPr lang="en-US" sz="5400" dirty="0" smtClean="0"/>
-              <a:t>Choosing our target user group</a:t>
+              <a:rPr lang="en-US" sz="5000" dirty="0" smtClean="0">
+                <a:latin typeface="Helvetica"/>
+                <a:cs typeface="Helvetica"/>
+              </a:rPr>
+              <a:t>Refining our product based on</a:t>
             </a:r>
           </a:p>
           <a:p>
             <a:pPr algn="ctr"/>
             <a:r>
-              <a:rPr lang="en-US" sz="5400" dirty="0" smtClean="0"/>
-              <a:t>and discovering their needs</a:t>
-            </a:r>
-            <a:endParaRPr lang="en-US" sz="5400" dirty="0"/>
+              <a:rPr lang="en-US" sz="5000" dirty="0">
+                <a:latin typeface="Helvetica"/>
+                <a:cs typeface="Helvetica"/>
+              </a:rPr>
+              <a:t>f</a:t>
+            </a:r>
+            <a:r>
+              <a:rPr lang="en-US" sz="5000" dirty="0" smtClean="0">
+                <a:latin typeface="Helvetica"/>
+                <a:cs typeface="Helvetica"/>
+              </a:rPr>
+              <a:t>eedback from potential users</a:t>
+            </a:r>
+            <a:endParaRPr lang="en-US" sz="5000" dirty="0">
+              <a:latin typeface="Helvetica"/>
+              <a:cs typeface="Helvetica"/>
+            </a:endParaRPr>
           </a:p>
         </p:txBody>
       </p:sp>

--- a/imgs/poster?/Goallective.pptx
+++ b/imgs/poster?/Goallective.pptx
@@ -3719,8 +3719,8 @@
         </p:nvSpPr>
         <p:spPr>
           <a:xfrm>
-            <a:off x="1935475" y="32152588"/>
-            <a:ext cx="8274821" cy="1631216"/>
+            <a:off x="1867379" y="32152588"/>
+            <a:ext cx="8411014" cy="1631216"/>
           </a:xfrm>
           <a:prstGeom prst="rect">
             <a:avLst/>
@@ -3735,7 +3735,7 @@
           <a:p>
             <a:pPr algn="ctr"/>
             <a:r>
-              <a:rPr lang="en-US" sz="5000" dirty="0" smtClean="0">
+              <a:rPr lang="en-US" sz="5000" i="1" dirty="0" smtClean="0">
                 <a:latin typeface="Helvetica"/>
                 <a:cs typeface="Helvetica"/>
               </a:rPr>
@@ -3745,13 +3745,13 @@
           <a:p>
             <a:pPr algn="ctr"/>
             <a:r>
-              <a:rPr lang="en-US" sz="5000" dirty="0" smtClean="0">
+              <a:rPr lang="en-US" sz="5000" i="1" dirty="0" smtClean="0">
                 <a:latin typeface="Helvetica"/>
                 <a:cs typeface="Helvetica"/>
               </a:rPr>
               <a:t>to discover their needs</a:t>
             </a:r>
-            <a:endParaRPr lang="en-US" sz="5000" dirty="0">
+            <a:endParaRPr lang="en-US" sz="5000" i="1" dirty="0">
               <a:latin typeface="Helvetica"/>
               <a:cs typeface="Helvetica"/>
             </a:endParaRPr>
@@ -3766,8 +3766,8 @@
         </p:nvSpPr>
         <p:spPr>
           <a:xfrm>
-            <a:off x="12293670" y="40948038"/>
-            <a:ext cx="8952654" cy="861774"/>
+            <a:off x="12225575" y="40948038"/>
+            <a:ext cx="9088845" cy="861774"/>
           </a:xfrm>
           <a:prstGeom prst="rect">
             <a:avLst/>
@@ -3782,13 +3782,13 @@
           <a:p>
             <a:pPr algn="ctr"/>
             <a:r>
-              <a:rPr lang="en-US" sz="5000" dirty="0" smtClean="0">
+              <a:rPr lang="en-US" sz="5000" i="1" dirty="0" smtClean="0">
                 <a:latin typeface="Helvetica"/>
                 <a:cs typeface="Helvetica"/>
               </a:rPr>
               <a:t>Developing multiple prototypes</a:t>
             </a:r>
-            <a:endParaRPr lang="en-US" sz="5000" dirty="0">
+            <a:endParaRPr lang="en-US" sz="5000" i="1" dirty="0">
               <a:latin typeface="Helvetica"/>
               <a:cs typeface="Helvetica"/>
             </a:endParaRPr>
@@ -3894,7 +3894,7 @@
         </p:blipFill>
         <p:spPr>
           <a:xfrm rot="21329710">
-            <a:off x="12426594" y="32911087"/>
+            <a:off x="12426594" y="33065962"/>
             <a:ext cx="4019324" cy="6832851"/>
           </a:xfrm>
           <a:prstGeom prst="rect">
@@ -3917,8 +3917,8 @@
         </p:nvSpPr>
         <p:spPr>
           <a:xfrm>
-            <a:off x="22687188" y="32269875"/>
-            <a:ext cx="8775447" cy="1631216"/>
+            <a:off x="22619092" y="32269875"/>
+            <a:ext cx="8911639" cy="1631216"/>
           </a:xfrm>
           <a:prstGeom prst="rect">
             <a:avLst/>
@@ -3933,7 +3933,7 @@
           <a:p>
             <a:pPr algn="ctr"/>
             <a:r>
-              <a:rPr lang="en-US" sz="5000" dirty="0" smtClean="0">
+              <a:rPr lang="en-US" sz="5000" i="1" dirty="0" smtClean="0">
                 <a:latin typeface="Helvetica"/>
                 <a:cs typeface="Helvetica"/>
               </a:rPr>
@@ -3943,20 +3943,20 @@
           <a:p>
             <a:pPr algn="ctr"/>
             <a:r>
-              <a:rPr lang="en-US" sz="5000" dirty="0">
+              <a:rPr lang="en-US" sz="5000" i="1" dirty="0">
                 <a:latin typeface="Helvetica"/>
                 <a:cs typeface="Helvetica"/>
               </a:rPr>
               <a:t>f</a:t>
             </a:r>
             <a:r>
-              <a:rPr lang="en-US" sz="5000" dirty="0" smtClean="0">
+              <a:rPr lang="en-US" sz="5000" i="1" dirty="0" smtClean="0">
                 <a:latin typeface="Helvetica"/>
                 <a:cs typeface="Helvetica"/>
               </a:rPr>
               <a:t>eedback from potential users</a:t>
             </a:r>
-            <a:endParaRPr lang="en-US" sz="5000" dirty="0">
+            <a:endParaRPr lang="en-US" sz="5000" i="1" dirty="0">
               <a:latin typeface="Helvetica"/>
               <a:cs typeface="Helvetica"/>
             </a:endParaRPr>

--- a/imgs/poster?/Goallective.pptx
+++ b/imgs/poster?/Goallective.pptx
@@ -3280,8 +3280,8 @@
           <a:p>
             <a:r>
               <a:rPr lang="en-US" dirty="0" smtClean="0">
-                <a:latin typeface="Helvetica Light"/>
-                <a:cs typeface="Helvetica Light"/>
+                <a:latin typeface="Helvetica"/>
+                <a:cs typeface="Helvetica"/>
               </a:rPr>
               <a:t>Where would you start if…</a:t>
             </a:r>
@@ -3691,20 +3691,13 @@
           <a:p>
             <a:pPr algn="ctr"/>
             <a:r>
-              <a:rPr lang="en-US" sz="8000" b="1" dirty="0" smtClean="0">
+              <a:rPr lang="en-US" sz="8000" dirty="0" smtClean="0">
                 <a:latin typeface="Helvetica"/>
                 <a:cs typeface="Helvetica"/>
               </a:rPr>
-              <a:t>We started by</a:t>
-            </a:r>
-            <a:r>
-              <a:rPr lang="is-IS" sz="8000" b="1" dirty="0" smtClean="0">
-                <a:latin typeface="Helvetica"/>
-                <a:cs typeface="Helvetica"/>
-              </a:rPr>
-              <a:t>…</a:t>
-            </a:r>
-            <a:endParaRPr lang="en-US" sz="8000" b="1" dirty="0">
+              <a:t>Our design process</a:t>
+            </a:r>
+            <a:endParaRPr lang="en-US" sz="8000" dirty="0">
               <a:latin typeface="Helvetica"/>
               <a:cs typeface="Helvetica"/>
             </a:endParaRPr>
@@ -3719,8 +3712,8 @@
         </p:nvSpPr>
         <p:spPr>
           <a:xfrm>
-            <a:off x="1867379" y="32152588"/>
-            <a:ext cx="8411014" cy="1631216"/>
+            <a:off x="995969" y="32152588"/>
+            <a:ext cx="10153837" cy="1631216"/>
           </a:xfrm>
           <a:prstGeom prst="rect">
             <a:avLst/>
@@ -3736,24 +3729,31 @@
             <a:pPr algn="ctr"/>
             <a:r>
               <a:rPr lang="en-US" sz="5000" i="1" dirty="0" smtClean="0">
-                <a:latin typeface="Helvetica"/>
-                <a:cs typeface="Helvetica"/>
+                <a:latin typeface="Helvetica Light"/>
+                <a:cs typeface="Helvetica Light"/>
               </a:rPr>
-              <a:t>Interviewing our target users</a:t>
+              <a:t>1. We interviewed </a:t>
+            </a:r>
+            <a:r>
+              <a:rPr lang="en-US" sz="5000" i="1" dirty="0" smtClean="0">
+                <a:latin typeface="Helvetica Light"/>
+                <a:cs typeface="Helvetica Light"/>
+              </a:rPr>
+              <a:t>our target users</a:t>
             </a:r>
           </a:p>
           <a:p>
             <a:pPr algn="ctr"/>
             <a:r>
               <a:rPr lang="en-US" sz="5000" i="1" dirty="0" smtClean="0">
-                <a:latin typeface="Helvetica"/>
-                <a:cs typeface="Helvetica"/>
+                <a:latin typeface="Helvetica Light"/>
+                <a:cs typeface="Helvetica Light"/>
               </a:rPr>
               <a:t>to discover their needs</a:t>
             </a:r>
             <a:endParaRPr lang="en-US" sz="5000" i="1" dirty="0">
-              <a:latin typeface="Helvetica"/>
-              <a:cs typeface="Helvetica"/>
+              <a:latin typeface="Helvetica Light"/>
+              <a:cs typeface="Helvetica Light"/>
             </a:endParaRPr>
           </a:p>
         </p:txBody>
@@ -3766,8 +3766,8 @@
         </p:nvSpPr>
         <p:spPr>
           <a:xfrm>
-            <a:off x="12225575" y="40948038"/>
-            <a:ext cx="9088845" cy="861774"/>
+            <a:off x="11337229" y="41288763"/>
+            <a:ext cx="10865541" cy="861774"/>
           </a:xfrm>
           <a:prstGeom prst="rect">
             <a:avLst/>
@@ -3783,14 +3783,21 @@
             <a:pPr algn="ctr"/>
             <a:r>
               <a:rPr lang="en-US" sz="5000" i="1" dirty="0" smtClean="0">
-                <a:latin typeface="Helvetica"/>
-                <a:cs typeface="Helvetica"/>
+                <a:latin typeface="Helvetica Light"/>
+                <a:cs typeface="Helvetica Light"/>
               </a:rPr>
-              <a:t>Developing multiple prototypes</a:t>
+              <a:t>2. We developed </a:t>
+            </a:r>
+            <a:r>
+              <a:rPr lang="en-US" sz="5000" i="1" dirty="0" smtClean="0">
+                <a:latin typeface="Helvetica Light"/>
+                <a:cs typeface="Helvetica Light"/>
+              </a:rPr>
+              <a:t>multiple prototypes</a:t>
             </a:r>
             <a:endParaRPr lang="en-US" sz="5000" i="1" dirty="0">
-              <a:latin typeface="Helvetica"/>
-              <a:cs typeface="Helvetica"/>
+              <a:latin typeface="Helvetica Light"/>
+              <a:cs typeface="Helvetica Light"/>
             </a:endParaRPr>
           </a:p>
         </p:txBody>
@@ -3917,8 +3924,8 @@
         </p:nvSpPr>
         <p:spPr>
           <a:xfrm>
-            <a:off x="22619092" y="32269875"/>
-            <a:ext cx="8911639" cy="1631216"/>
+            <a:off x="21801782" y="32269875"/>
+            <a:ext cx="10546262" cy="1631216"/>
           </a:xfrm>
           <a:prstGeom prst="rect">
             <a:avLst/>
@@ -3934,35 +3941,82 @@
             <a:pPr algn="ctr"/>
             <a:r>
               <a:rPr lang="en-US" sz="5000" i="1" dirty="0" smtClean="0">
-                <a:latin typeface="Helvetica"/>
-                <a:cs typeface="Helvetica"/>
+                <a:latin typeface="Helvetica Light"/>
+                <a:cs typeface="Helvetica Light"/>
               </a:rPr>
-              <a:t>Refining our product based on</a:t>
+              <a:t>3. We refined </a:t>
+            </a:r>
+            <a:r>
+              <a:rPr lang="en-US" sz="5000" i="1" dirty="0" smtClean="0">
+                <a:latin typeface="Helvetica Light"/>
+                <a:cs typeface="Helvetica Light"/>
+              </a:rPr>
+              <a:t>our product based on</a:t>
             </a:r>
           </a:p>
           <a:p>
             <a:pPr algn="ctr"/>
             <a:r>
               <a:rPr lang="en-US" sz="5000" i="1" dirty="0">
-                <a:latin typeface="Helvetica"/>
-                <a:cs typeface="Helvetica"/>
+                <a:latin typeface="Helvetica Light"/>
+                <a:cs typeface="Helvetica Light"/>
               </a:rPr>
               <a:t>f</a:t>
             </a:r>
             <a:r>
               <a:rPr lang="en-US" sz="5000" i="1" dirty="0" smtClean="0">
-                <a:latin typeface="Helvetica"/>
-                <a:cs typeface="Helvetica"/>
+                <a:latin typeface="Helvetica Light"/>
+                <a:cs typeface="Helvetica Light"/>
               </a:rPr>
               <a:t>eedback from potential users</a:t>
             </a:r>
             <a:endParaRPr lang="en-US" sz="5000" i="1" dirty="0">
-              <a:latin typeface="Helvetica"/>
-              <a:cs typeface="Helvetica"/>
+              <a:latin typeface="Helvetica Light"/>
+              <a:cs typeface="Helvetica Light"/>
             </a:endParaRPr>
           </a:p>
         </p:txBody>
       </p:sp>
+      <p:pic>
+        <p:nvPicPr>
+          <p:cNvPr id="10" name="Picture 9" descr="stitched-feed-alma.png"/>
+          <p:cNvPicPr>
+            <a:picLocks noChangeAspect="1"/>
+          </p:cNvPicPr>
+          <p:nvPr/>
+        </p:nvPicPr>
+        <p:blipFill>
+          <a:blip r:embed="rId7">
+            <a:extLst>
+              <a:ext uri="{28A0092B-C50C-407E-A947-70E740481C1C}">
+                <a14:useLocalDpi xmlns:a14="http://schemas.microsoft.com/office/drawing/2010/main" val="0"/>
+              </a:ext>
+            </a:extLst>
+          </a:blip>
+          <a:stretch>
+            <a:fillRect/>
+          </a:stretch>
+        </p:blipFill>
+        <p:spPr>
+          <a:xfrm rot="388400">
+            <a:off x="15916392" y="33808244"/>
+            <a:ext cx="4063389" cy="6790940"/>
+          </a:xfrm>
+          <a:prstGeom prst="rect">
+            <a:avLst/>
+          </a:prstGeom>
+          <a:ln w="635" cmpd="sng">
+            <a:noFill/>
+          </a:ln>
+          <a:effectLst>
+            <a:outerShdw blurRad="469900" dist="50800" dir="2700000" sx="102000" sy="102000" algn="tl" rotWithShape="0">
+              <a:srgbClr val="000000">
+                <a:alpha val="20000"/>
+              </a:srgbClr>
+            </a:outerShdw>
+          </a:effectLst>
+        </p:spPr>
+      </p:pic>
     </p:spTree>
     <p:extLst>
       <p:ext uri="{BB962C8B-B14F-4D97-AF65-F5344CB8AC3E}">

--- a/imgs/poster?/Goallective.pptx
+++ b/imgs/poster?/Goallective.pptx
@@ -288,7 +288,7 @@
           <a:p>
             <a:fld id="{170A8C5F-9144-D64D-AF7D-E3D99CD74714}" type="datetimeFigureOut">
               <a:rPr lang="en-US" smtClean="0"/>
-              <a:t>4/30/16</a:t>
+              <a:t>5/1/16</a:t>
             </a:fld>
             <a:endParaRPr lang="en-US" dirty="0"/>
           </a:p>
@@ -458,7 +458,7 @@
           <a:p>
             <a:fld id="{170A8C5F-9144-D64D-AF7D-E3D99CD74714}" type="datetimeFigureOut">
               <a:rPr lang="en-US" smtClean="0"/>
-              <a:t>4/30/16</a:t>
+              <a:t>5/1/16</a:t>
             </a:fld>
             <a:endParaRPr lang="en-US" dirty="0"/>
           </a:p>
@@ -638,7 +638,7 @@
           <a:p>
             <a:fld id="{170A8C5F-9144-D64D-AF7D-E3D99CD74714}" type="datetimeFigureOut">
               <a:rPr lang="en-US" smtClean="0"/>
-              <a:t>4/30/16</a:t>
+              <a:t>5/1/16</a:t>
             </a:fld>
             <a:endParaRPr lang="en-US" dirty="0"/>
           </a:p>
@@ -808,7 +808,7 @@
           <a:p>
             <a:fld id="{170A8C5F-9144-D64D-AF7D-E3D99CD74714}" type="datetimeFigureOut">
               <a:rPr lang="en-US" smtClean="0"/>
-              <a:t>4/30/16</a:t>
+              <a:t>5/1/16</a:t>
             </a:fld>
             <a:endParaRPr lang="en-US" dirty="0"/>
           </a:p>
@@ -1054,7 +1054,7 @@
           <a:p>
             <a:fld id="{170A8C5F-9144-D64D-AF7D-E3D99CD74714}" type="datetimeFigureOut">
               <a:rPr lang="en-US" smtClean="0"/>
-              <a:t>4/30/16</a:t>
+              <a:t>5/1/16</a:t>
             </a:fld>
             <a:endParaRPr lang="en-US" dirty="0"/>
           </a:p>
@@ -1342,7 +1342,7 @@
           <a:p>
             <a:fld id="{170A8C5F-9144-D64D-AF7D-E3D99CD74714}" type="datetimeFigureOut">
               <a:rPr lang="en-US" smtClean="0"/>
-              <a:t>4/30/16</a:t>
+              <a:t>5/1/16</a:t>
             </a:fld>
             <a:endParaRPr lang="en-US" dirty="0"/>
           </a:p>
@@ -1769,7 +1769,7 @@
           <a:p>
             <a:fld id="{170A8C5F-9144-D64D-AF7D-E3D99CD74714}" type="datetimeFigureOut">
               <a:rPr lang="en-US" smtClean="0"/>
-              <a:t>4/30/16</a:t>
+              <a:t>5/1/16</a:t>
             </a:fld>
             <a:endParaRPr lang="en-US" dirty="0"/>
           </a:p>
@@ -1887,7 +1887,7 @@
           <a:p>
             <a:fld id="{170A8C5F-9144-D64D-AF7D-E3D99CD74714}" type="datetimeFigureOut">
               <a:rPr lang="en-US" smtClean="0"/>
-              <a:t>4/30/16</a:t>
+              <a:t>5/1/16</a:t>
             </a:fld>
             <a:endParaRPr lang="en-US" dirty="0"/>
           </a:p>
@@ -1982,7 +1982,7 @@
           <a:p>
             <a:fld id="{170A8C5F-9144-D64D-AF7D-E3D99CD74714}" type="datetimeFigureOut">
               <a:rPr lang="en-US" smtClean="0"/>
-              <a:t>4/30/16</a:t>
+              <a:t>5/1/16</a:t>
             </a:fld>
             <a:endParaRPr lang="en-US" dirty="0"/>
           </a:p>
@@ -2259,7 +2259,7 @@
           <a:p>
             <a:fld id="{170A8C5F-9144-D64D-AF7D-E3D99CD74714}" type="datetimeFigureOut">
               <a:rPr lang="en-US" smtClean="0"/>
-              <a:t>4/30/16</a:t>
+              <a:t>5/1/16</a:t>
             </a:fld>
             <a:endParaRPr lang="en-US" dirty="0"/>
           </a:p>
@@ -2512,7 +2512,7 @@
           <a:p>
             <a:fld id="{170A8C5F-9144-D64D-AF7D-E3D99CD74714}" type="datetimeFigureOut">
               <a:rPr lang="en-US" smtClean="0"/>
-              <a:t>4/30/16</a:t>
+              <a:t>5/1/16</a:t>
             </a:fld>
             <a:endParaRPr lang="en-US" dirty="0"/>
           </a:p>
@@ -2725,7 +2725,7 @@
           <a:p>
             <a:fld id="{170A8C5F-9144-D64D-AF7D-E3D99CD74714}" type="datetimeFigureOut">
               <a:rPr lang="en-US" smtClean="0"/>
-              <a:t>4/30/16</a:t>
+              <a:t>5/1/16</a:t>
             </a:fld>
             <a:endParaRPr lang="en-US" dirty="0"/>
           </a:p>
@@ -3360,24 +3360,30 @@
         </p:nvSpPr>
         <p:spPr>
           <a:xfrm>
-            <a:off x="25796266" y="23564821"/>
-            <a:ext cx="5754966" cy="5425228"/>
+            <a:off x="25796266" y="23811423"/>
+            <a:ext cx="5754966" cy="4932025"/>
           </a:xfrm>
           <a:prstGeom prst="rect">
             <a:avLst/>
           </a:prstGeom>
+          <a:solidFill>
+            <a:srgbClr val="323232"/>
+          </a:solidFill>
+          <a:ln>
+            <a:noFill/>
+          </a:ln>
         </p:spPr>
         <p:style>
           <a:lnRef idx="2">
-            <a:schemeClr val="accent6">
+            <a:schemeClr val="accent2">
               <a:shade val="50000"/>
             </a:schemeClr>
           </a:lnRef>
           <a:fillRef idx="1">
-            <a:schemeClr val="accent6"/>
+            <a:schemeClr val="accent2"/>
           </a:fillRef>
           <a:effectRef idx="0">
-            <a:schemeClr val="accent6"/>
+            <a:schemeClr val="accent2"/>
           </a:effectRef>
           <a:fontRef idx="minor">
             <a:schemeClr val="lt1"/>
@@ -3394,18 +3400,111 @@
       </p:sp>
       <p:sp>
         <p:nvSpPr>
-          <p:cNvPr id="6" name="TextBox 5"/>
-          <p:cNvSpPr txBox="1"/>
+          <p:cNvPr id="15" name="Rectangle 14"/>
+          <p:cNvSpPr/>
           <p:nvPr/>
         </p:nvSpPr>
         <p:spPr>
           <a:xfrm>
-            <a:off x="25974067" y="24359807"/>
-            <a:ext cx="5445733" cy="4502771"/>
+            <a:off x="19310480" y="23811423"/>
+            <a:ext cx="5754966" cy="4932025"/>
           </a:xfrm>
           <a:prstGeom prst="rect">
             <a:avLst/>
           </a:prstGeom>
+          <a:solidFill>
+            <a:srgbClr val="323232"/>
+          </a:solidFill>
+          <a:ln>
+            <a:noFill/>
+          </a:ln>
+        </p:spPr>
+        <p:style>
+          <a:lnRef idx="2">
+            <a:schemeClr val="accent2">
+              <a:shade val="50000"/>
+            </a:schemeClr>
+          </a:lnRef>
+          <a:fillRef idx="1">
+            <a:schemeClr val="accent2"/>
+          </a:fillRef>
+          <a:effectRef idx="0">
+            <a:schemeClr val="accent2"/>
+          </a:effectRef>
+          <a:fontRef idx="minor">
+            <a:schemeClr val="lt1"/>
+          </a:fontRef>
+        </p:style>
+        <p:txBody>
+          <a:bodyPr rtlCol="0" anchor="ctr"/>
+          <a:lstStyle/>
+          <a:p>
+            <a:pPr algn="ctr"/>
+            <a:endParaRPr lang="en-US"/>
+          </a:p>
+        </p:txBody>
+      </p:sp>
+      <p:sp>
+        <p:nvSpPr>
+          <p:cNvPr id="16" name="Rectangle 15"/>
+          <p:cNvSpPr/>
+          <p:nvPr/>
+        </p:nvSpPr>
+        <p:spPr>
+          <a:xfrm>
+            <a:off x="12819680" y="23811423"/>
+            <a:ext cx="5754966" cy="4932025"/>
+          </a:xfrm>
+          <a:prstGeom prst="rect">
+            <a:avLst/>
+          </a:prstGeom>
+          <a:solidFill>
+            <a:srgbClr val="323232"/>
+          </a:solidFill>
+          <a:ln>
+            <a:noFill/>
+          </a:ln>
+        </p:spPr>
+        <p:style>
+          <a:lnRef idx="2">
+            <a:schemeClr val="accent2">
+              <a:shade val="50000"/>
+            </a:schemeClr>
+          </a:lnRef>
+          <a:fillRef idx="1">
+            <a:schemeClr val="accent2"/>
+          </a:fillRef>
+          <a:effectRef idx="0">
+            <a:schemeClr val="accent2"/>
+          </a:effectRef>
+          <a:fontRef idx="minor">
+            <a:schemeClr val="lt1"/>
+          </a:fontRef>
+        </p:style>
+        <p:txBody>
+          <a:bodyPr rtlCol="0" anchor="ctr"/>
+          <a:lstStyle/>
+          <a:p>
+            <a:pPr algn="ctr"/>
+            <a:endParaRPr lang="en-US"/>
+          </a:p>
+        </p:txBody>
+      </p:sp>
+      <p:sp>
+        <p:nvSpPr>
+          <p:cNvPr id="9" name="TextBox 8"/>
+          <p:cNvSpPr txBox="1"/>
+          <p:nvPr/>
+        </p:nvSpPr>
+        <p:spPr>
+          <a:xfrm>
+            <a:off x="25989589" y="25058674"/>
+            <a:ext cx="5379411" cy="2400657"/>
+          </a:xfrm>
+          <a:prstGeom prst="rect">
+            <a:avLst/>
+          </a:prstGeom>
+          <a:noFill/>
           <a:ln>
             <a:noFill/>
           </a:ln>
@@ -3434,145 +3533,40 @@
           <a:p>
             <a:pPr algn="ctr"/>
             <a:r>
-              <a:rPr lang="en-US" sz="5000" b="1" dirty="0">
+              <a:rPr lang="en-US" sz="5000" b="1" dirty="0" smtClean="0">
+                <a:ln>
+                  <a:solidFill>
+                    <a:srgbClr val="C7F4B1"/>
+                  </a:solidFill>
+                </a:ln>
                 <a:solidFill>
-                  <a:srgbClr val="000000"/>
+                  <a:schemeClr val="bg1">
+                    <a:lumMod val="95000"/>
+                  </a:schemeClr>
                 </a:solidFill>
                 <a:latin typeface="Helvetica"/>
                 <a:cs typeface="Helvetica"/>
               </a:rPr>
-              <a:t>Learn </a:t>
-            </a:r>
-            <a:r>
-              <a:rPr lang="en-US" sz="5000" b="1" dirty="0" smtClean="0">
-                <a:solidFill>
-                  <a:srgbClr val="000000"/>
-                </a:solidFill>
-                <a:latin typeface="Helvetica"/>
-                <a:cs typeface="Helvetica"/>
-              </a:rPr>
-              <a:t>your obstacles</a:t>
-            </a:r>
-            <a:endParaRPr lang="en-US" sz="5000" b="1" dirty="0">
-              <a:solidFill>
-                <a:srgbClr val="000000"/>
-              </a:solidFill>
-              <a:latin typeface="Helvetica"/>
-              <a:cs typeface="Helvetica"/>
-            </a:endParaRPr>
-          </a:p>
-          <a:p>
-            <a:pPr algn="ctr"/>
-            <a:r>
-              <a:rPr lang="en-US" sz="5000" b="1" dirty="0">
-                <a:solidFill>
-                  <a:srgbClr val="000000"/>
-                </a:solidFill>
-                <a:latin typeface="Helvetica"/>
-                <a:cs typeface="Helvetica"/>
-              </a:rPr>
-              <a:t>and how to overcome them</a:t>
-            </a:r>
-          </a:p>
-          <a:p>
-            <a:endParaRPr lang="en-US" sz="6000" dirty="0"/>
-          </a:p>
-        </p:txBody>
-      </p:sp>
-      <p:sp>
-        <p:nvSpPr>
-          <p:cNvPr id="15" name="Rectangle 14"/>
-          <p:cNvSpPr/>
+              <a:t>Get inspired by the goals of others</a:t>
+            </a:r>
+          </a:p>
+        </p:txBody>
+      </p:sp>
+      <p:sp>
+        <p:nvSpPr>
+          <p:cNvPr id="3" name="TextBox 2"/>
+          <p:cNvSpPr txBox="1"/>
           <p:nvPr/>
         </p:nvSpPr>
         <p:spPr>
           <a:xfrm>
-            <a:off x="19310480" y="23564821"/>
-            <a:ext cx="5754966" cy="5425228"/>
+            <a:off x="19905133" y="25007874"/>
+            <a:ext cx="4576113" cy="2400657"/>
           </a:xfrm>
           <a:prstGeom prst="rect">
             <a:avLst/>
           </a:prstGeom>
-        </p:spPr>
-        <p:style>
-          <a:lnRef idx="2">
-            <a:schemeClr val="accent6">
-              <a:shade val="50000"/>
-            </a:schemeClr>
-          </a:lnRef>
-          <a:fillRef idx="1">
-            <a:schemeClr val="accent6"/>
-          </a:fillRef>
-          <a:effectRef idx="0">
-            <a:schemeClr val="accent6"/>
-          </a:effectRef>
-          <a:fontRef idx="minor">
-            <a:schemeClr val="lt1"/>
-          </a:fontRef>
-        </p:style>
-        <p:txBody>
-          <a:bodyPr rtlCol="0" anchor="ctr"/>
-          <a:lstStyle/>
-          <a:p>
-            <a:pPr algn="ctr"/>
-            <a:endParaRPr lang="en-US"/>
-          </a:p>
-        </p:txBody>
-      </p:sp>
-      <p:sp>
-        <p:nvSpPr>
-          <p:cNvPr id="16" name="Rectangle 15"/>
-          <p:cNvSpPr/>
-          <p:nvPr/>
-        </p:nvSpPr>
-        <p:spPr>
-          <a:xfrm>
-            <a:off x="12819680" y="23564821"/>
-            <a:ext cx="5754966" cy="5425228"/>
-          </a:xfrm>
-          <a:prstGeom prst="rect">
-            <a:avLst/>
-          </a:prstGeom>
-        </p:spPr>
-        <p:style>
-          <a:lnRef idx="2">
-            <a:schemeClr val="accent6">
-              <a:shade val="50000"/>
-            </a:schemeClr>
-          </a:lnRef>
-          <a:fillRef idx="1">
-            <a:schemeClr val="accent6"/>
-          </a:fillRef>
-          <a:effectRef idx="0">
-            <a:schemeClr val="accent6"/>
-          </a:effectRef>
-          <a:fontRef idx="minor">
-            <a:schemeClr val="lt1"/>
-          </a:fontRef>
-        </p:style>
-        <p:txBody>
-          <a:bodyPr rtlCol="0" anchor="ctr"/>
-          <a:lstStyle/>
-          <a:p>
-            <a:pPr algn="ctr"/>
-            <a:endParaRPr lang="en-US"/>
-          </a:p>
-        </p:txBody>
-      </p:sp>
-      <p:sp>
-        <p:nvSpPr>
-          <p:cNvPr id="9" name="TextBox 8"/>
-          <p:cNvSpPr txBox="1"/>
-          <p:nvPr/>
-        </p:nvSpPr>
-        <p:spPr>
-          <a:xfrm>
-            <a:off x="13010189" y="24957074"/>
-            <a:ext cx="5379411" cy="2640723"/>
-          </a:xfrm>
-          <a:prstGeom prst="rect">
-            <a:avLst/>
-          </a:prstGeom>
+          <a:noFill/>
           <a:ln>
             <a:noFill/>
           </a:ln>
@@ -3601,63 +3595,16 @@
           <a:p>
             <a:pPr algn="ctr"/>
             <a:r>
-              <a:rPr lang="en-US" sz="5000" b="1" dirty="0" smtClean="0">
+              <a:rPr lang="en-US" sz="5000" b="1" dirty="0">
+                <a:ln>
+                  <a:solidFill>
+                    <a:srgbClr val="C7F4B1"/>
+                  </a:solidFill>
+                </a:ln>
                 <a:solidFill>
-                  <a:srgbClr val="000000"/>
-                </a:solidFill>
-                <a:latin typeface="Helvetica"/>
-                <a:cs typeface="Helvetica"/>
-              </a:rPr>
-              <a:t>Get inspired by the goals of others</a:t>
-            </a:r>
-          </a:p>
-        </p:txBody>
-      </p:sp>
-      <p:sp>
-        <p:nvSpPr>
-          <p:cNvPr id="3" name="TextBox 2"/>
-          <p:cNvSpPr txBox="1"/>
-          <p:nvPr/>
-        </p:nvSpPr>
-        <p:spPr>
-          <a:xfrm>
-            <a:off x="19905133" y="24957074"/>
-            <a:ext cx="4576113" cy="2640723"/>
-          </a:xfrm>
-          <a:prstGeom prst="rect">
-            <a:avLst/>
-          </a:prstGeom>
-          <a:ln>
-            <a:noFill/>
-          </a:ln>
-        </p:spPr>
-        <p:style>
-          <a:lnRef idx="2">
-            <a:schemeClr val="accent6">
-              <a:shade val="50000"/>
-            </a:schemeClr>
-          </a:lnRef>
-          <a:fillRef idx="1">
-            <a:schemeClr val="accent6"/>
-          </a:fillRef>
-          <a:effectRef idx="0">
-            <a:schemeClr val="accent6"/>
-          </a:effectRef>
-          <a:fontRef idx="minor">
-            <a:schemeClr val="lt1"/>
-          </a:fontRef>
-        </p:style>
-        <p:txBody>
-          <a:bodyPr wrap="square" rtlCol="0">
-            <a:spAutoFit/>
-          </a:bodyPr>
-          <a:lstStyle/>
-          <a:p>
-            <a:pPr algn="ctr"/>
-            <a:r>
-              <a:rPr lang="en-US" sz="5000" b="1" dirty="0">
-                <a:solidFill>
-                  <a:srgbClr val="000000"/>
+                  <a:schemeClr val="bg1">
+                    <a:lumMod val="95000"/>
+                  </a:schemeClr>
                 </a:solidFill>
                 <a:latin typeface="Helvetica"/>
                 <a:cs typeface="Helvetica"/>
@@ -3732,14 +3679,7 @@
                 <a:latin typeface="Helvetica Light"/>
                 <a:cs typeface="Helvetica Light"/>
               </a:rPr>
-              <a:t>1. We interviewed </a:t>
-            </a:r>
-            <a:r>
-              <a:rPr lang="en-US" sz="5000" i="1" dirty="0" smtClean="0">
-                <a:latin typeface="Helvetica Light"/>
-                <a:cs typeface="Helvetica Light"/>
-              </a:rPr>
-              <a:t>our target users</a:t>
+              <a:t>1. We interviewed our target users</a:t>
             </a:r>
           </a:p>
           <a:p>
@@ -3786,14 +3726,7 @@
                 <a:latin typeface="Helvetica Light"/>
                 <a:cs typeface="Helvetica Light"/>
               </a:rPr>
-              <a:t>2. We developed </a:t>
-            </a:r>
-            <a:r>
-              <a:rPr lang="en-US" sz="5000" i="1" dirty="0" smtClean="0">
-                <a:latin typeface="Helvetica Light"/>
-                <a:cs typeface="Helvetica Light"/>
-              </a:rPr>
-              <a:t>multiple prototypes</a:t>
+              <a:t>2. We developed multiple prototypes</a:t>
             </a:r>
             <a:endParaRPr lang="en-US" sz="5000" i="1" dirty="0">
               <a:latin typeface="Helvetica Light"/>
@@ -3944,14 +3877,7 @@
                 <a:latin typeface="Helvetica Light"/>
                 <a:cs typeface="Helvetica Light"/>
               </a:rPr>
-              <a:t>3. We refined </a:t>
-            </a:r>
-            <a:r>
-              <a:rPr lang="en-US" sz="5000" i="1" dirty="0" smtClean="0">
-                <a:latin typeface="Helvetica Light"/>
-                <a:cs typeface="Helvetica Light"/>
-              </a:rPr>
-              <a:t>our product based on</a:t>
+              <a:t>3. We refined our product based on</a:t>
             </a:r>
           </a:p>
           <a:p>
@@ -4017,6 +3943,150 @@
           </a:effectLst>
         </p:spPr>
       </p:pic>
+      <p:sp>
+        <p:nvSpPr>
+          <p:cNvPr id="6" name="TextBox 5"/>
+          <p:cNvSpPr txBox="1"/>
+          <p:nvPr/>
+        </p:nvSpPr>
+        <p:spPr>
+          <a:xfrm>
+            <a:off x="12972080" y="24657832"/>
+            <a:ext cx="5445733" cy="3170099"/>
+          </a:xfrm>
+          <a:prstGeom prst="rect">
+            <a:avLst/>
+          </a:prstGeom>
+          <a:noFill/>
+          <a:ln>
+            <a:noFill/>
+          </a:ln>
+        </p:spPr>
+        <p:style>
+          <a:lnRef idx="2">
+            <a:schemeClr val="accent6">
+              <a:shade val="50000"/>
+            </a:schemeClr>
+          </a:lnRef>
+          <a:fillRef idx="1">
+            <a:schemeClr val="accent6"/>
+          </a:fillRef>
+          <a:effectRef idx="0">
+            <a:schemeClr val="accent6"/>
+          </a:effectRef>
+          <a:fontRef idx="minor">
+            <a:schemeClr val="lt1"/>
+          </a:fontRef>
+        </p:style>
+        <p:txBody>
+          <a:bodyPr wrap="square" rtlCol="0" anchor="ctr">
+            <a:spAutoFit/>
+          </a:bodyPr>
+          <a:lstStyle/>
+          <a:p>
+            <a:pPr algn="ctr"/>
+            <a:r>
+              <a:rPr lang="en-US" sz="5000" b="1" dirty="0" smtClean="0">
+                <a:ln>
+                  <a:solidFill>
+                    <a:srgbClr val="C7F4B1"/>
+                  </a:solidFill>
+                </a:ln>
+                <a:solidFill>
+                  <a:schemeClr val="bg1">
+                    <a:lumMod val="95000"/>
+                  </a:schemeClr>
+                </a:solidFill>
+                <a:latin typeface="Helvetica"/>
+                <a:cs typeface="Helvetica"/>
+              </a:rPr>
+              <a:t>Identify </a:t>
+            </a:r>
+            <a:r>
+              <a:rPr lang="en-US" sz="5000" b="1" dirty="0" smtClean="0">
+                <a:ln>
+                  <a:solidFill>
+                    <a:srgbClr val="C7F4B1"/>
+                  </a:solidFill>
+                </a:ln>
+                <a:solidFill>
+                  <a:schemeClr val="bg1">
+                    <a:lumMod val="95000"/>
+                  </a:schemeClr>
+                </a:solidFill>
+                <a:latin typeface="Helvetica"/>
+                <a:cs typeface="Helvetica"/>
+              </a:rPr>
+              <a:t>your obstacles</a:t>
+            </a:r>
+            <a:endParaRPr lang="en-US" sz="5000" b="1" dirty="0">
+              <a:ln>
+                <a:solidFill>
+                  <a:srgbClr val="C7F4B1"/>
+                </a:solidFill>
+              </a:ln>
+              <a:solidFill>
+                <a:schemeClr val="bg1">
+                  <a:lumMod val="95000"/>
+                </a:schemeClr>
+              </a:solidFill>
+              <a:latin typeface="Helvetica"/>
+              <a:cs typeface="Helvetica"/>
+            </a:endParaRPr>
+          </a:p>
+          <a:p>
+            <a:pPr algn="ctr"/>
+            <a:r>
+              <a:rPr lang="en-US" sz="5000" b="1" dirty="0">
+                <a:ln>
+                  <a:solidFill>
+                    <a:srgbClr val="C7F4B1"/>
+                  </a:solidFill>
+                </a:ln>
+                <a:solidFill>
+                  <a:schemeClr val="bg1">
+                    <a:lumMod val="95000"/>
+                  </a:schemeClr>
+                </a:solidFill>
+                <a:latin typeface="Helvetica"/>
+                <a:cs typeface="Helvetica"/>
+              </a:rPr>
+              <a:t>and how to overcome </a:t>
+            </a:r>
+            <a:r>
+              <a:rPr lang="en-US" sz="5000" b="1" dirty="0" smtClean="0">
+                <a:ln>
+                  <a:solidFill>
+                    <a:srgbClr val="C7F4B1"/>
+                  </a:solidFill>
+                </a:ln>
+                <a:solidFill>
+                  <a:schemeClr val="bg1">
+                    <a:lumMod val="95000"/>
+                  </a:schemeClr>
+                </a:solidFill>
+                <a:latin typeface="Helvetica"/>
+                <a:cs typeface="Helvetica"/>
+              </a:rPr>
+              <a:t>them</a:t>
+            </a:r>
+            <a:endParaRPr lang="en-US" sz="5000" b="1" dirty="0">
+              <a:ln>
+                <a:solidFill>
+                  <a:srgbClr val="C7F4B1"/>
+                </a:solidFill>
+              </a:ln>
+              <a:solidFill>
+                <a:schemeClr val="bg1">
+                  <a:lumMod val="95000"/>
+                </a:schemeClr>
+              </a:solidFill>
+              <a:latin typeface="Helvetica"/>
+              <a:cs typeface="Helvetica"/>
+            </a:endParaRPr>
+          </a:p>
+        </p:txBody>
+      </p:sp>
     </p:spTree>
     <p:extLst>
       <p:ext uri="{BB962C8B-B14F-4D97-AF65-F5344CB8AC3E}">

--- a/imgs/poster?/Goallective.pptx
+++ b/imgs/poster?/Goallective.pptx
@@ -3108,7 +3108,7 @@
         </p:nvSpPr>
         <p:spPr>
           <a:xfrm>
-            <a:off x="0" y="-355600"/>
+            <a:off x="50800" y="-457200"/>
             <a:ext cx="32918400" cy="6247864"/>
           </a:xfrm>
           <a:prstGeom prst="rect">
@@ -3117,7 +3117,7 @@
           <a:noFill/>
         </p:spPr>
         <p:txBody>
-          <a:bodyPr wrap="square" rtlCol="0">
+          <a:bodyPr wrap="square" rtlCol="0" anchor="ctr">
             <a:spAutoFit/>
           </a:bodyPr>
           <a:lstStyle/>
@@ -3153,8 +3153,8 @@
         </p:blipFill>
         <p:spPr>
           <a:xfrm>
-            <a:off x="990439" y="8891389"/>
-            <a:ext cx="11019473" cy="21526930"/>
+            <a:off x="1269707" y="8270908"/>
+            <a:ext cx="10562538" cy="20634292"/>
           </a:xfrm>
           <a:prstGeom prst="rect">
             <a:avLst/>
@@ -3183,8 +3183,8 @@
         </p:blipFill>
         <p:spPr>
           <a:xfrm>
-            <a:off x="2135317" y="11982736"/>
-            <a:ext cx="8796559" cy="15352464"/>
+            <a:off x="2368497" y="11234239"/>
+            <a:ext cx="8431800" cy="14715858"/>
           </a:xfrm>
           <a:prstGeom prst="rect">
             <a:avLst/>
@@ -3199,8 +3199,8 @@
         </p:nvSpPr>
         <p:spPr>
           <a:xfrm>
-            <a:off x="0" y="6875453"/>
-            <a:ext cx="32918399" cy="2015936"/>
+            <a:off x="0" y="6215053"/>
+            <a:ext cx="32918399" cy="1862048"/>
           </a:xfrm>
           <a:prstGeom prst="rect">
             <a:avLst/>
@@ -3215,41 +3215,41 @@
           <a:p>
             <a:pPr algn="ctr"/>
             <a:r>
-              <a:rPr lang="en-US" sz="12500" dirty="0" smtClean="0">
+              <a:rPr lang="en-US" sz="11500" dirty="0" smtClean="0">
                 <a:latin typeface="Helvetica"/>
                 <a:cs typeface="Helvetica"/>
               </a:rPr>
               <a:t>You’re </a:t>
             </a:r>
             <a:r>
-              <a:rPr lang="en-US" sz="12500" b="1" dirty="0" smtClean="0">
+              <a:rPr lang="en-US" sz="11500" b="1" dirty="0" smtClean="0">
                 <a:latin typeface="Helvetica"/>
                 <a:cs typeface="Helvetica"/>
               </a:rPr>
               <a:t>smart</a:t>
             </a:r>
             <a:r>
-              <a:rPr lang="en-US" sz="12500" dirty="0" smtClean="0">
+              <a:rPr lang="en-US" sz="11500" dirty="0" smtClean="0">
                 <a:latin typeface="Helvetica"/>
                 <a:cs typeface="Helvetica"/>
               </a:rPr>
               <a:t>. Your goals should be </a:t>
             </a:r>
             <a:r>
-              <a:rPr lang="en-US" sz="12500" b="1" dirty="0" smtClean="0">
+              <a:rPr lang="en-US" sz="11500" b="1" dirty="0" smtClean="0">
                 <a:latin typeface="Helvetica"/>
                 <a:cs typeface="Helvetica"/>
               </a:rPr>
               <a:t>smart</a:t>
             </a:r>
             <a:r>
-              <a:rPr lang="en-US" sz="12500" dirty="0" smtClean="0">
+              <a:rPr lang="en-US" sz="11500" dirty="0" smtClean="0">
                 <a:latin typeface="Helvetica"/>
                 <a:cs typeface="Helvetica"/>
               </a:rPr>
-              <a:t>.</a:t>
-            </a:r>
-            <a:endParaRPr lang="en-US" sz="12500" dirty="0">
+              <a:t>, too.</a:t>
+            </a:r>
+            <a:endParaRPr lang="en-US" sz="11500" dirty="0">
               <a:latin typeface="Helvetica"/>
               <a:cs typeface="Helvetica"/>
             </a:endParaRPr>
@@ -3264,8 +3264,8 @@
         </p:nvSpPr>
         <p:spPr>
           <a:xfrm>
-            <a:off x="13010189" y="9994813"/>
-            <a:ext cx="19368434" cy="12895839"/>
+            <a:off x="12756173" y="11361243"/>
+            <a:ext cx="18836597" cy="10248961"/>
           </a:xfrm>
           <a:prstGeom prst="rect">
             <a:avLst/>
@@ -3279,26 +3279,18 @@
           <a:lstStyle/>
           <a:p>
             <a:r>
-              <a:rPr lang="en-US" dirty="0" smtClean="0">
-                <a:latin typeface="Helvetica"/>
-                <a:cs typeface="Helvetica"/>
-              </a:rPr>
-              <a:t>Where would you start if…</a:t>
-            </a:r>
-          </a:p>
-          <a:p>
-            <a:endParaRPr lang="en-US" dirty="0">
-              <a:latin typeface="Helvetica"/>
-              <a:cs typeface="Helvetica"/>
-            </a:endParaRPr>
-          </a:p>
-          <a:p>
-            <a:r>
               <a:rPr lang="en-US" sz="6600" i="1" dirty="0" smtClean="0">
                 <a:latin typeface="Helvetica Light"/>
                 <a:cs typeface="Helvetica Light"/>
               </a:rPr>
-              <a:t>You moved to a new city and felt lonely?</a:t>
+              <a:t>You </a:t>
+            </a:r>
+            <a:r>
+              <a:rPr lang="en-US" sz="6600" i="1" dirty="0" smtClean="0">
+                <a:latin typeface="Helvetica Light"/>
+                <a:cs typeface="Helvetica Light"/>
+              </a:rPr>
+              <a:t>moved to a new city and felt lonely?</a:t>
             </a:r>
           </a:p>
           <a:p>
@@ -3354,276 +3346,14 @@
       </p:sp>
       <p:sp>
         <p:nvSpPr>
-          <p:cNvPr id="12" name="Rectangle 11"/>
-          <p:cNvSpPr/>
-          <p:nvPr/>
-        </p:nvSpPr>
-        <p:spPr>
-          <a:xfrm>
-            <a:off x="25796266" y="23811423"/>
-            <a:ext cx="5754966" cy="4932025"/>
-          </a:xfrm>
-          <a:prstGeom prst="rect">
-            <a:avLst/>
-          </a:prstGeom>
-          <a:solidFill>
-            <a:srgbClr val="323232"/>
-          </a:solidFill>
-          <a:ln>
-            <a:noFill/>
-          </a:ln>
-        </p:spPr>
-        <p:style>
-          <a:lnRef idx="2">
-            <a:schemeClr val="accent2">
-              <a:shade val="50000"/>
-            </a:schemeClr>
-          </a:lnRef>
-          <a:fillRef idx="1">
-            <a:schemeClr val="accent2"/>
-          </a:fillRef>
-          <a:effectRef idx="0">
-            <a:schemeClr val="accent2"/>
-          </a:effectRef>
-          <a:fontRef idx="minor">
-            <a:schemeClr val="lt1"/>
-          </a:fontRef>
-        </p:style>
-        <p:txBody>
-          <a:bodyPr rtlCol="0" anchor="ctr"/>
-          <a:lstStyle/>
-          <a:p>
-            <a:pPr algn="ctr"/>
-            <a:endParaRPr lang="en-US"/>
-          </a:p>
-        </p:txBody>
-      </p:sp>
-      <p:sp>
-        <p:nvSpPr>
-          <p:cNvPr id="15" name="Rectangle 14"/>
-          <p:cNvSpPr/>
-          <p:nvPr/>
-        </p:nvSpPr>
-        <p:spPr>
-          <a:xfrm>
-            <a:off x="19310480" y="23811423"/>
-            <a:ext cx="5754966" cy="4932025"/>
-          </a:xfrm>
-          <a:prstGeom prst="rect">
-            <a:avLst/>
-          </a:prstGeom>
-          <a:solidFill>
-            <a:srgbClr val="323232"/>
-          </a:solidFill>
-          <a:ln>
-            <a:noFill/>
-          </a:ln>
-        </p:spPr>
-        <p:style>
-          <a:lnRef idx="2">
-            <a:schemeClr val="accent2">
-              <a:shade val="50000"/>
-            </a:schemeClr>
-          </a:lnRef>
-          <a:fillRef idx="1">
-            <a:schemeClr val="accent2"/>
-          </a:fillRef>
-          <a:effectRef idx="0">
-            <a:schemeClr val="accent2"/>
-          </a:effectRef>
-          <a:fontRef idx="minor">
-            <a:schemeClr val="lt1"/>
-          </a:fontRef>
-        </p:style>
-        <p:txBody>
-          <a:bodyPr rtlCol="0" anchor="ctr"/>
-          <a:lstStyle/>
-          <a:p>
-            <a:pPr algn="ctr"/>
-            <a:endParaRPr lang="en-US"/>
-          </a:p>
-        </p:txBody>
-      </p:sp>
-      <p:sp>
-        <p:nvSpPr>
-          <p:cNvPr id="16" name="Rectangle 15"/>
-          <p:cNvSpPr/>
-          <p:nvPr/>
-        </p:nvSpPr>
-        <p:spPr>
-          <a:xfrm>
-            <a:off x="12819680" y="23811423"/>
-            <a:ext cx="5754966" cy="4932025"/>
-          </a:xfrm>
-          <a:prstGeom prst="rect">
-            <a:avLst/>
-          </a:prstGeom>
-          <a:solidFill>
-            <a:srgbClr val="323232"/>
-          </a:solidFill>
-          <a:ln>
-            <a:noFill/>
-          </a:ln>
-        </p:spPr>
-        <p:style>
-          <a:lnRef idx="2">
-            <a:schemeClr val="accent2">
-              <a:shade val="50000"/>
-            </a:schemeClr>
-          </a:lnRef>
-          <a:fillRef idx="1">
-            <a:schemeClr val="accent2"/>
-          </a:fillRef>
-          <a:effectRef idx="0">
-            <a:schemeClr val="accent2"/>
-          </a:effectRef>
-          <a:fontRef idx="minor">
-            <a:schemeClr val="lt1"/>
-          </a:fontRef>
-        </p:style>
-        <p:txBody>
-          <a:bodyPr rtlCol="0" anchor="ctr"/>
-          <a:lstStyle/>
-          <a:p>
-            <a:pPr algn="ctr"/>
-            <a:endParaRPr lang="en-US"/>
-          </a:p>
-        </p:txBody>
-      </p:sp>
-      <p:sp>
-        <p:nvSpPr>
-          <p:cNvPr id="9" name="TextBox 8"/>
-          <p:cNvSpPr txBox="1"/>
-          <p:nvPr/>
-        </p:nvSpPr>
-        <p:spPr>
-          <a:xfrm>
-            <a:off x="25989589" y="25058674"/>
-            <a:ext cx="5379411" cy="2400657"/>
-          </a:xfrm>
-          <a:prstGeom prst="rect">
-            <a:avLst/>
-          </a:prstGeom>
-          <a:noFill/>
-          <a:ln>
-            <a:noFill/>
-          </a:ln>
-        </p:spPr>
-        <p:style>
-          <a:lnRef idx="2">
-            <a:schemeClr val="accent6">
-              <a:shade val="50000"/>
-            </a:schemeClr>
-          </a:lnRef>
-          <a:fillRef idx="1">
-            <a:schemeClr val="accent6"/>
-          </a:fillRef>
-          <a:effectRef idx="0">
-            <a:schemeClr val="accent6"/>
-          </a:effectRef>
-          <a:fontRef idx="minor">
-            <a:schemeClr val="lt1"/>
-          </a:fontRef>
-        </p:style>
-        <p:txBody>
-          <a:bodyPr wrap="square" rtlCol="0">
-            <a:spAutoFit/>
-          </a:bodyPr>
-          <a:lstStyle/>
-          <a:p>
-            <a:pPr algn="ctr"/>
-            <a:r>
-              <a:rPr lang="en-US" sz="5000" b="1" dirty="0" smtClean="0">
-                <a:ln>
-                  <a:solidFill>
-                    <a:srgbClr val="C7F4B1"/>
-                  </a:solidFill>
-                </a:ln>
-                <a:solidFill>
-                  <a:schemeClr val="bg1">
-                    <a:lumMod val="95000"/>
-                  </a:schemeClr>
-                </a:solidFill>
-                <a:latin typeface="Helvetica"/>
-                <a:cs typeface="Helvetica"/>
-              </a:rPr>
-              <a:t>Get inspired by the goals of others</a:t>
-            </a:r>
-          </a:p>
-        </p:txBody>
-      </p:sp>
-      <p:sp>
-        <p:nvSpPr>
-          <p:cNvPr id="3" name="TextBox 2"/>
-          <p:cNvSpPr txBox="1"/>
-          <p:nvPr/>
-        </p:nvSpPr>
-        <p:spPr>
-          <a:xfrm>
-            <a:off x="19905133" y="25007874"/>
-            <a:ext cx="4576113" cy="2400657"/>
-          </a:xfrm>
-          <a:prstGeom prst="rect">
-            <a:avLst/>
-          </a:prstGeom>
-          <a:noFill/>
-          <a:ln>
-            <a:noFill/>
-          </a:ln>
-        </p:spPr>
-        <p:style>
-          <a:lnRef idx="2">
-            <a:schemeClr val="accent6">
-              <a:shade val="50000"/>
-            </a:schemeClr>
-          </a:lnRef>
-          <a:fillRef idx="1">
-            <a:schemeClr val="accent6"/>
-          </a:fillRef>
-          <a:effectRef idx="0">
-            <a:schemeClr val="accent6"/>
-          </a:effectRef>
-          <a:fontRef idx="minor">
-            <a:schemeClr val="lt1"/>
-          </a:fontRef>
-        </p:style>
-        <p:txBody>
-          <a:bodyPr wrap="square" rtlCol="0">
-            <a:spAutoFit/>
-          </a:bodyPr>
-          <a:lstStyle/>
-          <a:p>
-            <a:pPr algn="ctr"/>
-            <a:r>
-              <a:rPr lang="en-US" sz="5000" b="1" dirty="0">
-                <a:ln>
-                  <a:solidFill>
-                    <a:srgbClr val="C7F4B1"/>
-                  </a:solidFill>
-                </a:ln>
-                <a:solidFill>
-                  <a:schemeClr val="bg1">
-                    <a:lumMod val="95000"/>
-                  </a:schemeClr>
-                </a:solidFill>
-                <a:latin typeface="Helvetica"/>
-                <a:cs typeface="Helvetica"/>
-              </a:rPr>
-              <a:t>Break your goals into smaller steps</a:t>
-            </a:r>
-          </a:p>
-        </p:txBody>
-      </p:sp>
-      <p:sp>
-        <p:nvSpPr>
           <p:cNvPr id="2" name="TextBox 1"/>
           <p:cNvSpPr txBox="1"/>
           <p:nvPr/>
         </p:nvSpPr>
         <p:spPr>
           <a:xfrm>
-            <a:off x="11347528" y="30141166"/>
-            <a:ext cx="10261847" cy="1323439"/>
+            <a:off x="11842451" y="28464689"/>
+            <a:ext cx="9806712" cy="1415772"/>
           </a:xfrm>
           <a:prstGeom prst="rect">
             <a:avLst/>
@@ -3631,20 +3361,20 @@
           <a:noFill/>
         </p:spPr>
         <p:txBody>
-          <a:bodyPr wrap="square" rtlCol="0">
+          <a:bodyPr wrap="square" rtlCol="0" anchor="ctr">
             <a:spAutoFit/>
           </a:bodyPr>
           <a:lstStyle/>
           <a:p>
             <a:pPr algn="ctr"/>
             <a:r>
-              <a:rPr lang="en-US" sz="8000" dirty="0" smtClean="0">
+              <a:rPr lang="en-US" dirty="0" smtClean="0">
                 <a:latin typeface="Helvetica"/>
                 <a:cs typeface="Helvetica"/>
               </a:rPr>
               <a:t>Our design process</a:t>
             </a:r>
-            <a:endParaRPr lang="en-US" sz="8000" dirty="0">
+            <a:endParaRPr lang="en-US" dirty="0">
               <a:latin typeface="Helvetica"/>
               <a:cs typeface="Helvetica"/>
             </a:endParaRPr>
@@ -3659,8 +3389,8 @@
         </p:nvSpPr>
         <p:spPr>
           <a:xfrm>
-            <a:off x="995969" y="32152588"/>
-            <a:ext cx="10153837" cy="1631216"/>
+            <a:off x="1243698" y="30454808"/>
+            <a:ext cx="9938497" cy="1785104"/>
           </a:xfrm>
           <a:prstGeom prst="rect">
             <a:avLst/>
@@ -3673,25 +3403,51 @@
           </a:bodyPr>
           <a:lstStyle/>
           <a:p>
-            <a:pPr algn="ctr"/>
-            <a:r>
-              <a:rPr lang="en-US" sz="5000" i="1" dirty="0" smtClean="0">
+            <a:r>
+              <a:rPr lang="en-US" sz="5500" i="1" dirty="0" smtClean="0">
                 <a:latin typeface="Helvetica Light"/>
                 <a:cs typeface="Helvetica Light"/>
               </a:rPr>
-              <a:t>1. We interviewed our target users</a:t>
-            </a:r>
-          </a:p>
-          <a:p>
-            <a:pPr algn="ctr"/>
-            <a:r>
-              <a:rPr lang="en-US" sz="5000" i="1" dirty="0" smtClean="0">
+              <a:t>1. </a:t>
+            </a:r>
+            <a:r>
+              <a:rPr lang="en-US" sz="5500" i="1" dirty="0">
                 <a:latin typeface="Helvetica Light"/>
                 <a:cs typeface="Helvetica Light"/>
               </a:rPr>
-              <a:t>to discover their needs</a:t>
-            </a:r>
-            <a:endParaRPr lang="en-US" sz="5000" i="1" dirty="0">
+              <a:t>I</a:t>
+            </a:r>
+            <a:r>
+              <a:rPr lang="en-US" sz="5500" i="1" dirty="0" smtClean="0">
+                <a:latin typeface="Helvetica Light"/>
+                <a:cs typeface="Helvetica Light"/>
+              </a:rPr>
+              <a:t>nterviewed </a:t>
+            </a:r>
+            <a:r>
+              <a:rPr lang="en-US" sz="5500" i="1" dirty="0" smtClean="0">
+                <a:latin typeface="Helvetica Light"/>
+                <a:cs typeface="Helvetica Light"/>
+              </a:rPr>
+              <a:t>our target users</a:t>
+            </a:r>
+          </a:p>
+          <a:p>
+            <a:r>
+              <a:rPr lang="en-US" sz="5500" i="1" dirty="0" smtClean="0">
+                <a:latin typeface="Helvetica Light"/>
+                <a:cs typeface="Helvetica Light"/>
+              </a:rPr>
+              <a:t>    to </a:t>
+            </a:r>
+            <a:r>
+              <a:rPr lang="en-US" sz="5500" i="1" dirty="0" smtClean="0">
+                <a:latin typeface="Helvetica Light"/>
+                <a:cs typeface="Helvetica Light"/>
+              </a:rPr>
+              <a:t>discover their needs</a:t>
+            </a:r>
+            <a:endParaRPr lang="en-US" sz="5500" i="1" dirty="0">
               <a:latin typeface="Helvetica Light"/>
               <a:cs typeface="Helvetica Light"/>
             </a:endParaRPr>
@@ -3706,8 +3462,8 @@
         </p:nvSpPr>
         <p:spPr>
           <a:xfrm>
-            <a:off x="11337229" y="41288763"/>
-            <a:ext cx="10865541" cy="861774"/>
+            <a:off x="11629058" y="39401159"/>
+            <a:ext cx="10799656" cy="938719"/>
           </a:xfrm>
           <a:prstGeom prst="rect">
             <a:avLst/>
@@ -3722,13 +3478,34 @@
           <a:p>
             <a:pPr algn="ctr"/>
             <a:r>
-              <a:rPr lang="en-US" sz="5000" i="1" dirty="0" smtClean="0">
+              <a:rPr lang="en-US" sz="5500" i="1" dirty="0" smtClean="0">
                 <a:latin typeface="Helvetica Light"/>
                 <a:cs typeface="Helvetica Light"/>
               </a:rPr>
-              <a:t>2. We developed multiple prototypes</a:t>
-            </a:r>
-            <a:endParaRPr lang="en-US" sz="5000" i="1" dirty="0">
+              <a:t>2. </a:t>
+            </a:r>
+            <a:r>
+              <a:rPr lang="en-US" sz="5500" i="1" dirty="0">
+                <a:latin typeface="Helvetica Light"/>
+                <a:cs typeface="Helvetica Light"/>
+              </a:rPr>
+              <a:t>D</a:t>
+            </a:r>
+            <a:r>
+              <a:rPr lang="en-US" sz="5500" i="1" dirty="0" smtClean="0">
+                <a:latin typeface="Helvetica Light"/>
+                <a:cs typeface="Helvetica Light"/>
+              </a:rPr>
+              <a:t>eveloped </a:t>
+            </a:r>
+            <a:r>
+              <a:rPr lang="en-US" sz="5500" i="1" dirty="0" smtClean="0">
+                <a:latin typeface="Helvetica Light"/>
+                <a:cs typeface="Helvetica Light"/>
+              </a:rPr>
+              <a:t>multiple prototypes</a:t>
+            </a:r>
+            <a:endParaRPr lang="en-US" sz="5500" i="1" dirty="0">
               <a:latin typeface="Helvetica Light"/>
               <a:cs typeface="Helvetica Light"/>
             </a:endParaRPr>
@@ -3756,8 +3533,8 @@
           </a:stretch>
         </p:blipFill>
         <p:spPr>
-          <a:xfrm rot="10637692">
-            <a:off x="1693348" y="34454830"/>
+          <a:xfrm rot="10355942">
+            <a:off x="1693348" y="33259714"/>
             <a:ext cx="5650954" cy="4238215"/>
           </a:xfrm>
           <a:prstGeom prst="rect">
@@ -3797,7 +3574,7 @@
         </p:blipFill>
         <p:spPr>
           <a:xfrm rot="414717">
-            <a:off x="5131537" y="38060783"/>
+            <a:off x="5436337" y="35964679"/>
             <a:ext cx="5314575" cy="4274663"/>
           </a:xfrm>
           <a:prstGeom prst="rect">
@@ -3834,7 +3611,7 @@
         </p:blipFill>
         <p:spPr>
           <a:xfrm rot="21329710">
-            <a:off x="12426594" y="33065962"/>
+            <a:off x="12881111" y="30828094"/>
             <a:ext cx="4019324" cy="6832851"/>
           </a:xfrm>
           <a:prstGeom prst="rect">
@@ -3857,8 +3634,8 @@
         </p:nvSpPr>
         <p:spPr>
           <a:xfrm>
-            <a:off x="21801782" y="32269875"/>
-            <a:ext cx="10546262" cy="1631216"/>
+            <a:off x="20787054" y="30537339"/>
+            <a:ext cx="10831952" cy="1785104"/>
           </a:xfrm>
           <a:prstGeom prst="rect">
             <a:avLst/>
@@ -3866,37 +3643,62 @@
           <a:noFill/>
         </p:spPr>
         <p:txBody>
-          <a:bodyPr wrap="none" rtlCol="0">
+          <a:bodyPr wrap="square" rtlCol="0">
             <a:spAutoFit/>
           </a:bodyPr>
           <a:lstStyle/>
           <a:p>
-            <a:pPr algn="ctr"/>
-            <a:r>
-              <a:rPr lang="en-US" sz="5000" i="1" dirty="0" smtClean="0">
+            <a:pPr algn="r"/>
+            <a:r>
+              <a:rPr lang="en-US" sz="5500" i="1" dirty="0" smtClean="0">
                 <a:latin typeface="Helvetica Light"/>
                 <a:cs typeface="Helvetica Light"/>
               </a:rPr>
-              <a:t>3. We refined our product based on</a:t>
-            </a:r>
-          </a:p>
-          <a:p>
-            <a:pPr algn="ctr"/>
-            <a:r>
-              <a:rPr lang="en-US" sz="5000" i="1" dirty="0">
+              <a:t>3. </a:t>
+            </a:r>
+            <a:r>
+              <a:rPr lang="en-US" sz="5500" i="1" dirty="0">
                 <a:latin typeface="Helvetica Light"/>
                 <a:cs typeface="Helvetica Light"/>
               </a:rPr>
-              <a:t>f</a:t>
-            </a:r>
-            <a:r>
-              <a:rPr lang="en-US" sz="5000" i="1" dirty="0" smtClean="0">
+              <a:t>R</a:t>
+            </a:r>
+            <a:r>
+              <a:rPr lang="en-US" sz="5500" i="1" dirty="0" smtClean="0">
                 <a:latin typeface="Helvetica Light"/>
                 <a:cs typeface="Helvetica Light"/>
               </a:rPr>
-              <a:t>eedback from potential users</a:t>
-            </a:r>
-            <a:endParaRPr lang="en-US" sz="5000" i="1" dirty="0">
+              <a:t>efined </a:t>
+            </a:r>
+            <a:r>
+              <a:rPr lang="en-US" sz="5500" i="1" dirty="0" smtClean="0">
+                <a:latin typeface="Helvetica Light"/>
+                <a:cs typeface="Helvetica Light"/>
+              </a:rPr>
+              <a:t>our product based </a:t>
+            </a:r>
+            <a:r>
+              <a:rPr lang="en-US" sz="5500" i="1" dirty="0" smtClean="0">
+                <a:latin typeface="Helvetica Light"/>
+                <a:cs typeface="Helvetica Light"/>
+              </a:rPr>
+              <a:t>on feedback </a:t>
+            </a:r>
+            <a:r>
+              <a:rPr lang="en-US" sz="5500" i="1" dirty="0" smtClean="0">
+                <a:latin typeface="Helvetica Light"/>
+                <a:cs typeface="Helvetica Light"/>
+              </a:rPr>
+              <a:t>from potential </a:t>
+            </a:r>
+            <a:r>
+              <a:rPr lang="en-US" sz="5500" i="1" dirty="0" smtClean="0">
+                <a:latin typeface="Helvetica Light"/>
+                <a:cs typeface="Helvetica Light"/>
+              </a:rPr>
+              <a:t>users</a:t>
+            </a:r>
+            <a:endParaRPr lang="en-US" sz="5500" i="1" dirty="0">
               <a:latin typeface="Helvetica Light"/>
               <a:cs typeface="Helvetica Light"/>
             </a:endParaRPr>
@@ -3925,7 +3727,7 @@
         </p:blipFill>
         <p:spPr>
           <a:xfrm rot="388400">
-            <a:off x="15916392" y="33808244"/>
+            <a:off x="16437748" y="31704064"/>
             <a:ext cx="4063389" cy="6790940"/>
           </a:xfrm>
           <a:prstGeom prst="rect">
@@ -3945,48 +3747,50 @@
       </p:pic>
       <p:sp>
         <p:nvSpPr>
-          <p:cNvPr id="6" name="TextBox 5"/>
-          <p:cNvSpPr txBox="1"/>
+          <p:cNvPr id="23" name="Rounded Rectangle 22"/>
+          <p:cNvSpPr/>
           <p:nvPr/>
         </p:nvSpPr>
         <p:spPr>
           <a:xfrm>
-            <a:off x="12972080" y="24657832"/>
-            <a:ext cx="5445733" cy="3170099"/>
+            <a:off x="12819680" y="22693823"/>
+            <a:ext cx="5754966" cy="4932025"/>
           </a:xfrm>
-          <a:prstGeom prst="rect">
-            <a:avLst/>
+          <a:prstGeom prst="roundRect">
+            <a:avLst>
+              <a:gd name="adj" fmla="val 7654"/>
+            </a:avLst>
           </a:prstGeom>
-          <a:noFill/>
+          <a:solidFill>
+            <a:srgbClr val="323232"/>
+          </a:solidFill>
           <a:ln>
             <a:noFill/>
           </a:ln>
         </p:spPr>
         <p:style>
           <a:lnRef idx="2">
-            <a:schemeClr val="accent6">
+            <a:schemeClr val="accent2">
               <a:shade val="50000"/>
             </a:schemeClr>
           </a:lnRef>
           <a:fillRef idx="1">
-            <a:schemeClr val="accent6"/>
+            <a:schemeClr val="accent2"/>
           </a:fillRef>
           <a:effectRef idx="0">
-            <a:schemeClr val="accent6"/>
+            <a:schemeClr val="accent2"/>
           </a:effectRef>
           <a:fontRef idx="minor">
             <a:schemeClr val="lt1"/>
           </a:fontRef>
         </p:style>
         <p:txBody>
-          <a:bodyPr wrap="square" rtlCol="0" anchor="ctr">
-            <a:spAutoFit/>
-          </a:bodyPr>
+          <a:bodyPr rtlCol="0" anchor="ctr"/>
           <a:lstStyle/>
           <a:p>
             <a:pPr algn="ctr"/>
             <a:r>
-              <a:rPr lang="en-US" sz="5000" b="1" dirty="0" smtClean="0">
+              <a:rPr lang="en-US" sz="5600" b="1" dirty="0">
                 <a:ln>
                   <a:solidFill>
                     <a:srgbClr val="C7F4B1"/>
@@ -3997,13 +3801,13 @@
                     <a:lumMod val="95000"/>
                   </a:schemeClr>
                 </a:solidFill>
-                <a:latin typeface="Helvetica"/>
-                <a:cs typeface="Helvetica"/>
-              </a:rPr>
-              <a:t>Identify </a:t>
-            </a:r>
-            <a:r>
-              <a:rPr lang="en-US" sz="5000" b="1" dirty="0" smtClean="0">
+                <a:latin typeface="Helvetica Light"/>
+                <a:cs typeface="Helvetica Light"/>
+              </a:rPr>
+              <a:t>Break your goals into smaller </a:t>
+            </a:r>
+            <a:r>
+              <a:rPr lang="en-US" sz="5600" b="1" dirty="0" smtClean="0">
                 <a:ln>
                   <a:solidFill>
                     <a:srgbClr val="C7F4B1"/>
@@ -4014,12 +3818,12 @@
                     <a:lumMod val="95000"/>
                   </a:schemeClr>
                 </a:solidFill>
-                <a:latin typeface="Helvetica"/>
-                <a:cs typeface="Helvetica"/>
-              </a:rPr>
-              <a:t>your obstacles</a:t>
-            </a:r>
-            <a:endParaRPr lang="en-US" sz="5000" b="1" dirty="0">
+                <a:latin typeface="Helvetica Light"/>
+                <a:cs typeface="Helvetica Light"/>
+              </a:rPr>
+              <a:t>steps</a:t>
+            </a:r>
+            <a:endParaRPr lang="en-US" sz="5600" b="1" dirty="0">
               <a:ln>
                 <a:solidFill>
                   <a:srgbClr val="C7F4B1"/>
@@ -4030,14 +3834,58 @@
                   <a:lumMod val="95000"/>
                 </a:schemeClr>
               </a:solidFill>
-              <a:latin typeface="Helvetica"/>
-              <a:cs typeface="Helvetica"/>
+              <a:latin typeface="Helvetica Light"/>
+              <a:cs typeface="Helvetica Light"/>
             </a:endParaRPr>
           </a:p>
+        </p:txBody>
+      </p:sp>
+      <p:sp>
+        <p:nvSpPr>
+          <p:cNvPr id="24" name="Rounded Rectangle 23"/>
+          <p:cNvSpPr/>
+          <p:nvPr/>
+        </p:nvSpPr>
+        <p:spPr>
+          <a:xfrm>
+            <a:off x="19325287" y="22693823"/>
+            <a:ext cx="5754966" cy="4932025"/>
+          </a:xfrm>
+          <a:prstGeom prst="roundRect">
+            <a:avLst>
+              <a:gd name="adj" fmla="val 7654"/>
+            </a:avLst>
+          </a:prstGeom>
+          <a:solidFill>
+            <a:srgbClr val="323232"/>
+          </a:solidFill>
+          <a:ln>
+            <a:noFill/>
+          </a:ln>
+        </p:spPr>
+        <p:style>
+          <a:lnRef idx="2">
+            <a:schemeClr val="accent2">
+              <a:shade val="50000"/>
+            </a:schemeClr>
+          </a:lnRef>
+          <a:fillRef idx="1">
+            <a:schemeClr val="accent2"/>
+          </a:fillRef>
+          <a:effectRef idx="0">
+            <a:schemeClr val="accent2"/>
+          </a:effectRef>
+          <a:fontRef idx="minor">
+            <a:schemeClr val="lt1"/>
+          </a:fontRef>
+        </p:style>
+        <p:txBody>
+          <a:bodyPr rtlCol="0" anchor="ctr"/>
+          <a:lstStyle/>
           <a:p>
             <a:pPr algn="ctr"/>
             <a:r>
-              <a:rPr lang="en-US" sz="5000" b="1" dirty="0">
+              <a:rPr lang="en-US" sz="5600" b="1" dirty="0">
                 <a:ln>
                   <a:solidFill>
                     <a:srgbClr val="C7F4B1"/>
@@ -4048,13 +3896,16 @@
                     <a:lumMod val="95000"/>
                   </a:schemeClr>
                 </a:solidFill>
-                <a:latin typeface="Helvetica"/>
-                <a:cs typeface="Helvetica"/>
-              </a:rPr>
-              <a:t>and how to overcome </a:t>
-            </a:r>
-            <a:r>
-              <a:rPr lang="en-US" sz="5000" b="1" dirty="0" smtClean="0">
+                <a:latin typeface="Helvetica Light"/>
+                <a:cs typeface="Helvetica Light"/>
+              </a:rPr>
+              <a:t>Identify your obstacles</a:t>
+            </a:r>
+          </a:p>
+          <a:p>
+            <a:pPr algn="ctr"/>
+            <a:r>
+              <a:rPr lang="en-US" sz="5600" b="1" dirty="0">
                 <a:ln>
                   <a:solidFill>
                     <a:srgbClr val="C7F4B1"/>
@@ -4065,12 +3916,76 @@
                     <a:lumMod val="95000"/>
                   </a:schemeClr>
                 </a:solidFill>
-                <a:latin typeface="Helvetica"/>
-                <a:cs typeface="Helvetica"/>
-              </a:rPr>
-              <a:t>them</a:t>
-            </a:r>
-            <a:endParaRPr lang="en-US" sz="5000" b="1" dirty="0">
+                <a:latin typeface="Helvetica Light"/>
+                <a:cs typeface="Helvetica Light"/>
+              </a:rPr>
+              <a:t>and how to overcome them</a:t>
+            </a:r>
+          </a:p>
+        </p:txBody>
+      </p:sp>
+      <p:sp>
+        <p:nvSpPr>
+          <p:cNvPr id="25" name="Rounded Rectangle 24"/>
+          <p:cNvSpPr/>
+          <p:nvPr/>
+        </p:nvSpPr>
+        <p:spPr>
+          <a:xfrm>
+            <a:off x="25796266" y="22693823"/>
+            <a:ext cx="5754966" cy="4932025"/>
+          </a:xfrm>
+          <a:prstGeom prst="roundRect">
+            <a:avLst>
+              <a:gd name="adj" fmla="val 7654"/>
+            </a:avLst>
+          </a:prstGeom>
+          <a:solidFill>
+            <a:srgbClr val="323232"/>
+          </a:solidFill>
+          <a:ln>
+            <a:noFill/>
+          </a:ln>
+        </p:spPr>
+        <p:style>
+          <a:lnRef idx="2">
+            <a:schemeClr val="accent2">
+              <a:shade val="50000"/>
+            </a:schemeClr>
+          </a:lnRef>
+          <a:fillRef idx="1">
+            <a:schemeClr val="accent2"/>
+          </a:fillRef>
+          <a:effectRef idx="0">
+            <a:schemeClr val="accent2"/>
+          </a:effectRef>
+          <a:fontRef idx="minor">
+            <a:schemeClr val="lt1"/>
+          </a:fontRef>
+        </p:style>
+        <p:txBody>
+          <a:bodyPr rtlCol="0" anchor="ctr"/>
+          <a:lstStyle/>
+          <a:p>
+            <a:pPr algn="ctr"/>
+            <a:r>
+              <a:rPr lang="en-US" sz="5600" b="1" dirty="0" smtClean="0">
+                <a:ln>
+                  <a:solidFill>
+                    <a:srgbClr val="C7F4B1"/>
+                  </a:solidFill>
+                </a:ln>
+                <a:solidFill>
+                  <a:schemeClr val="bg1">
+                    <a:lumMod val="95000"/>
+                  </a:schemeClr>
+                </a:solidFill>
+                <a:latin typeface="Helvetica Light"/>
+                <a:cs typeface="Helvetica Light"/>
+              </a:rPr>
+              <a:t>Find inspiration in friends’ achievements</a:t>
+            </a:r>
+            <a:endParaRPr lang="en-US" sz="5600" b="1" dirty="0">
               <a:ln>
                 <a:solidFill>
                   <a:srgbClr val="C7F4B1"/>
@@ -4081,8 +3996,448 @@
                   <a:lumMod val="95000"/>
                 </a:schemeClr>
               </a:solidFill>
-              <a:latin typeface="Helvetica"/>
-              <a:cs typeface="Helvetica"/>
+              <a:latin typeface="Helvetica Light"/>
+              <a:cs typeface="Helvetica Light"/>
+            </a:endParaRPr>
+          </a:p>
+        </p:txBody>
+      </p:sp>
+      <p:pic>
+        <p:nvPicPr>
+          <p:cNvPr id="19" name="Picture 18" descr="qrcode.jpeg"/>
+          <p:cNvPicPr>
+            <a:picLocks noChangeAspect="1"/>
+          </p:cNvPicPr>
+          <p:nvPr/>
+        </p:nvPicPr>
+        <p:blipFill>
+          <a:blip r:embed="rId8">
+            <a:extLst>
+              <a:ext uri="{28A0092B-C50C-407E-A947-70E740481C1C}">
+                <a14:useLocalDpi xmlns:a14="http://schemas.microsoft.com/office/drawing/2010/main" val="0"/>
+              </a:ext>
+            </a:extLst>
+          </a:blip>
+          <a:stretch>
+            <a:fillRect/>
+          </a:stretch>
+        </p:blipFill>
+        <p:spPr>
+          <a:xfrm>
+            <a:off x="29355763" y="40640928"/>
+            <a:ext cx="2629033" cy="2629033"/>
+          </a:xfrm>
+          <a:prstGeom prst="rect">
+            <a:avLst/>
+          </a:prstGeom>
+        </p:spPr>
+      </p:pic>
+      <p:cxnSp>
+        <p:nvCxnSpPr>
+          <p:cNvPr id="27" name="Straight Connector 26"/>
+          <p:cNvCxnSpPr/>
+          <p:nvPr/>
+        </p:nvCxnSpPr>
+        <p:spPr>
+          <a:xfrm flipV="1">
+            <a:off x="1443918" y="29307455"/>
+            <a:ext cx="10240243" cy="82323"/>
+          </a:xfrm>
+          <a:prstGeom prst="line">
+            <a:avLst/>
+          </a:prstGeom>
+          <a:ln w="3175" cmpd="sng">
+            <a:prstDash val="lgDash"/>
+          </a:ln>
+        </p:spPr>
+        <p:style>
+          <a:lnRef idx="1">
+            <a:schemeClr val="dk1"/>
+          </a:lnRef>
+          <a:fillRef idx="0">
+            <a:schemeClr val="dk1"/>
+          </a:fillRef>
+          <a:effectRef idx="0">
+            <a:schemeClr val="dk1"/>
+          </a:effectRef>
+          <a:fontRef idx="minor">
+            <a:schemeClr val="tx1"/>
+          </a:fontRef>
+        </p:style>
+      </p:cxnSp>
+      <p:cxnSp>
+        <p:nvCxnSpPr>
+          <p:cNvPr id="31" name="Straight Connector 30"/>
+          <p:cNvCxnSpPr/>
+          <p:nvPr/>
+        </p:nvCxnSpPr>
+        <p:spPr>
+          <a:xfrm flipV="1">
+            <a:off x="21878009" y="29224684"/>
+            <a:ext cx="9673222" cy="75686"/>
+          </a:xfrm>
+          <a:prstGeom prst="line">
+            <a:avLst/>
+          </a:prstGeom>
+          <a:ln w="3175" cmpd="sng">
+            <a:prstDash val="lgDash"/>
+          </a:ln>
+        </p:spPr>
+        <p:style>
+          <a:lnRef idx="1">
+            <a:schemeClr val="dk1"/>
+          </a:lnRef>
+          <a:fillRef idx="0">
+            <a:schemeClr val="dk1"/>
+          </a:fillRef>
+          <a:effectRef idx="0">
+            <a:schemeClr val="dk1"/>
+          </a:effectRef>
+          <a:fontRef idx="minor">
+            <a:schemeClr val="tx1"/>
+          </a:fontRef>
+        </p:style>
+      </p:cxnSp>
+      <p:sp>
+        <p:nvSpPr>
+          <p:cNvPr id="32" name="Rectangle 31"/>
+          <p:cNvSpPr/>
+          <p:nvPr/>
+        </p:nvSpPr>
+        <p:spPr>
+          <a:xfrm>
+            <a:off x="15683670" y="8962826"/>
+            <a:ext cx="13117494" cy="1415772"/>
+          </a:xfrm>
+          <a:prstGeom prst="rect">
+            <a:avLst/>
+          </a:prstGeom>
+        </p:spPr>
+        <p:txBody>
+          <a:bodyPr wrap="none">
+            <a:spAutoFit/>
+          </a:bodyPr>
+          <a:lstStyle/>
+          <a:p>
+            <a:r>
+              <a:rPr lang="en-US" dirty="0">
+                <a:latin typeface="Helvetica"/>
+                <a:cs typeface="Helvetica"/>
+              </a:rPr>
+              <a:t>Where would you start if…</a:t>
+            </a:r>
+          </a:p>
+        </p:txBody>
+      </p:sp>
+      <p:cxnSp>
+        <p:nvCxnSpPr>
+          <p:cNvPr id="45" name="Straight Connector 44"/>
+          <p:cNvCxnSpPr/>
+          <p:nvPr/>
+        </p:nvCxnSpPr>
+        <p:spPr>
+          <a:xfrm flipH="1">
+            <a:off x="12819682" y="9804400"/>
+            <a:ext cx="2350779" cy="0"/>
+          </a:xfrm>
+          <a:prstGeom prst="line">
+            <a:avLst/>
+          </a:prstGeom>
+          <a:ln w="3175" cmpd="sng">
+            <a:prstDash val="lgDash"/>
+          </a:ln>
+        </p:spPr>
+        <p:style>
+          <a:lnRef idx="1">
+            <a:schemeClr val="dk1"/>
+          </a:lnRef>
+          <a:fillRef idx="0">
+            <a:schemeClr val="dk1"/>
+          </a:fillRef>
+          <a:effectRef idx="0">
+            <a:schemeClr val="dk1"/>
+          </a:effectRef>
+          <a:fontRef idx="minor">
+            <a:schemeClr val="tx1"/>
+          </a:fontRef>
+        </p:style>
+      </p:cxnSp>
+      <p:cxnSp>
+        <p:nvCxnSpPr>
+          <p:cNvPr id="47" name="Straight Connector 46"/>
+          <p:cNvCxnSpPr/>
+          <p:nvPr/>
+        </p:nvCxnSpPr>
+        <p:spPr>
+          <a:xfrm>
+            <a:off x="29001673" y="9804400"/>
+            <a:ext cx="2591097" cy="0"/>
+          </a:xfrm>
+          <a:prstGeom prst="line">
+            <a:avLst/>
+          </a:prstGeom>
+          <a:ln w="3175" cmpd="sng">
+            <a:prstDash val="lgDash"/>
+          </a:ln>
+        </p:spPr>
+        <p:style>
+          <a:lnRef idx="1">
+            <a:schemeClr val="dk1"/>
+          </a:lnRef>
+          <a:fillRef idx="0">
+            <a:schemeClr val="dk1"/>
+          </a:fillRef>
+          <a:effectRef idx="0">
+            <a:schemeClr val="dk1"/>
+          </a:effectRef>
+          <a:fontRef idx="minor">
+            <a:schemeClr val="tx1"/>
+          </a:fontRef>
+        </p:style>
+      </p:cxnSp>
+      <p:sp>
+        <p:nvSpPr>
+          <p:cNvPr id="61" name="TextBox 60"/>
+          <p:cNvSpPr txBox="1"/>
+          <p:nvPr/>
+        </p:nvSpPr>
+        <p:spPr>
+          <a:xfrm>
+            <a:off x="-1230472" y="41287823"/>
+            <a:ext cx="29685562" cy="1862048"/>
+          </a:xfrm>
+          <a:prstGeom prst="rect">
+            <a:avLst/>
+          </a:prstGeom>
+          <a:noFill/>
+        </p:spPr>
+        <p:txBody>
+          <a:bodyPr wrap="none" rtlCol="0">
+            <a:spAutoFit/>
+          </a:bodyPr>
+          <a:lstStyle/>
+          <a:p>
+            <a:pPr algn="r"/>
+            <a:r>
+              <a:rPr lang="en-US" sz="5000" dirty="0" smtClean="0">
+                <a:solidFill>
+                  <a:schemeClr val="tx1">
+                    <a:lumMod val="75000"/>
+                    <a:lumOff val="25000"/>
+                  </a:schemeClr>
+                </a:solidFill>
+                <a:latin typeface="Helvetica Light"/>
+                <a:cs typeface="Helvetica Light"/>
+              </a:rPr>
+              <a:t>The </a:t>
+            </a:r>
+            <a:r>
+              <a:rPr lang="en-US" sz="5000" dirty="0" err="1" smtClean="0">
+                <a:solidFill>
+                  <a:schemeClr val="tx1">
+                    <a:lumMod val="75000"/>
+                    <a:lumOff val="25000"/>
+                  </a:schemeClr>
+                </a:solidFill>
+                <a:latin typeface="Helvetica Light"/>
+                <a:cs typeface="Helvetica Light"/>
+              </a:rPr>
+              <a:t>Goallective</a:t>
+            </a:r>
+            <a:r>
+              <a:rPr lang="en-US" sz="5000" dirty="0" smtClean="0">
+                <a:solidFill>
+                  <a:schemeClr val="tx1">
+                    <a:lumMod val="75000"/>
+                    <a:lumOff val="25000"/>
+                  </a:schemeClr>
+                </a:solidFill>
+                <a:latin typeface="Helvetica Light"/>
+                <a:cs typeface="Helvetica Light"/>
+              </a:rPr>
+              <a:t> team: Catherine </a:t>
+            </a:r>
+            <a:r>
+              <a:rPr lang="en-US" sz="5000" dirty="0" err="1" smtClean="0">
+                <a:solidFill>
+                  <a:schemeClr val="tx1">
+                    <a:lumMod val="75000"/>
+                    <a:lumOff val="25000"/>
+                  </a:schemeClr>
+                </a:solidFill>
+                <a:latin typeface="Helvetica Light"/>
+                <a:cs typeface="Helvetica Light"/>
+              </a:rPr>
+              <a:t>Bousquet</a:t>
+            </a:r>
+            <a:r>
+              <a:rPr lang="en-US" sz="5000" dirty="0" smtClean="0">
+                <a:solidFill>
+                  <a:schemeClr val="tx1">
+                    <a:lumMod val="75000"/>
+                    <a:lumOff val="25000"/>
+                  </a:schemeClr>
+                </a:solidFill>
+                <a:latin typeface="Helvetica Light"/>
+                <a:cs typeface="Helvetica Light"/>
+              </a:rPr>
+              <a:t>, </a:t>
+            </a:r>
+            <a:r>
+              <a:rPr lang="en-US" sz="5000" dirty="0" err="1" smtClean="0">
+                <a:solidFill>
+                  <a:schemeClr val="tx1">
+                    <a:lumMod val="75000"/>
+                    <a:lumOff val="25000"/>
+                  </a:schemeClr>
+                </a:solidFill>
+                <a:latin typeface="Helvetica Light"/>
+                <a:cs typeface="Helvetica Light"/>
+              </a:rPr>
+              <a:t>Curren</a:t>
+            </a:r>
+            <a:r>
+              <a:rPr lang="en-US" sz="5000" dirty="0" smtClean="0">
+                <a:solidFill>
+                  <a:schemeClr val="tx1">
+                    <a:lumMod val="75000"/>
+                    <a:lumOff val="25000"/>
+                  </a:schemeClr>
+                </a:solidFill>
+                <a:latin typeface="Helvetica Light"/>
+                <a:cs typeface="Helvetica Light"/>
+              </a:rPr>
+              <a:t> </a:t>
+            </a:r>
+            <a:r>
+              <a:rPr lang="en-US" sz="5000" dirty="0" err="1" smtClean="0">
+                <a:solidFill>
+                  <a:schemeClr val="tx1">
+                    <a:lumMod val="75000"/>
+                    <a:lumOff val="25000"/>
+                  </a:schemeClr>
+                </a:solidFill>
+                <a:latin typeface="Helvetica Light"/>
+                <a:cs typeface="Helvetica Light"/>
+              </a:rPr>
+              <a:t>Iyer</a:t>
+            </a:r>
+            <a:r>
+              <a:rPr lang="en-US" sz="5000" dirty="0" smtClean="0">
+                <a:solidFill>
+                  <a:schemeClr val="tx1">
+                    <a:lumMod val="75000"/>
+                    <a:lumOff val="25000"/>
+                  </a:schemeClr>
+                </a:solidFill>
+                <a:latin typeface="Helvetica Light"/>
+                <a:cs typeface="Helvetica Light"/>
+              </a:rPr>
+              <a:t>, and Alma Lafler</a:t>
+            </a:r>
+          </a:p>
+          <a:p>
+            <a:pPr algn="r"/>
+            <a:endParaRPr lang="en-US" sz="1500" dirty="0" smtClean="0">
+              <a:solidFill>
+                <a:schemeClr val="tx1">
+                  <a:lumMod val="75000"/>
+                  <a:lumOff val="25000"/>
+                </a:schemeClr>
+              </a:solidFill>
+              <a:latin typeface="Helvetica Light"/>
+              <a:cs typeface="Helvetica Light"/>
+            </a:endParaRPr>
+          </a:p>
+          <a:p>
+            <a:pPr algn="r"/>
+            <a:r>
+              <a:rPr lang="en-US" sz="5000" dirty="0" smtClean="0">
+                <a:solidFill>
+                  <a:schemeClr val="tx1">
+                    <a:lumMod val="75000"/>
+                    <a:lumOff val="25000"/>
+                  </a:schemeClr>
+                </a:solidFill>
+                <a:latin typeface="Helvetica Light"/>
+                <a:cs typeface="Helvetica Light"/>
+              </a:rPr>
+              <a:t>contact: </a:t>
+            </a:r>
+            <a:r>
+              <a:rPr lang="en-US" sz="5000" i="1" dirty="0" err="1" smtClean="0">
+                <a:solidFill>
+                  <a:schemeClr val="tx1">
+                    <a:lumMod val="75000"/>
+                    <a:lumOff val="25000"/>
+                  </a:schemeClr>
+                </a:solidFill>
+                <a:latin typeface="Helvetica Light"/>
+                <a:cs typeface="Helvetica Light"/>
+              </a:rPr>
+              <a:t>catherinebousquet</a:t>
+            </a:r>
+            <a:r>
+              <a:rPr lang="en-US" sz="5000" dirty="0" smtClean="0">
+                <a:solidFill>
+                  <a:schemeClr val="tx1">
+                    <a:lumMod val="75000"/>
+                    <a:lumOff val="25000"/>
+                  </a:schemeClr>
+                </a:solidFill>
+                <a:latin typeface="Helvetica Light"/>
+                <a:cs typeface="Helvetica Light"/>
+              </a:rPr>
+              <a:t> OR </a:t>
+            </a:r>
+            <a:r>
+              <a:rPr lang="en-US" sz="5000" i="1" dirty="0" err="1" smtClean="0">
+                <a:solidFill>
+                  <a:schemeClr val="tx1">
+                    <a:lumMod val="75000"/>
+                    <a:lumOff val="25000"/>
+                  </a:schemeClr>
+                </a:solidFill>
+                <a:latin typeface="Helvetica Light"/>
+                <a:cs typeface="Helvetica Light"/>
+              </a:rPr>
+              <a:t>curreniyer</a:t>
+            </a:r>
+            <a:r>
+              <a:rPr lang="en-US" sz="5000" dirty="0" smtClean="0">
+                <a:solidFill>
+                  <a:schemeClr val="tx1">
+                    <a:lumMod val="75000"/>
+                    <a:lumOff val="25000"/>
+                  </a:schemeClr>
+                </a:solidFill>
+                <a:latin typeface="Helvetica Light"/>
+                <a:cs typeface="Helvetica Light"/>
+              </a:rPr>
+              <a:t> OR </a:t>
+            </a:r>
+            <a:r>
+              <a:rPr lang="en-US" sz="5000" i="1" dirty="0" err="1" smtClean="0">
+                <a:solidFill>
+                  <a:schemeClr val="tx1">
+                    <a:lumMod val="75000"/>
+                    <a:lumOff val="25000"/>
+                  </a:schemeClr>
+                </a:solidFill>
+                <a:latin typeface="Helvetica Light"/>
+                <a:cs typeface="Helvetica Light"/>
+              </a:rPr>
+              <a:t>alafler@college.harvard.edu</a:t>
+            </a:r>
+            <a:endParaRPr lang="en-US" sz="5000" i="1" dirty="0">
+              <a:solidFill>
+                <a:schemeClr val="tx1">
+                  <a:lumMod val="75000"/>
+                  <a:lumOff val="25000"/>
+                </a:schemeClr>
+              </a:solidFill>
+              <a:latin typeface="Helvetica Light"/>
+              <a:cs typeface="Helvetica Light"/>
             </a:endParaRPr>
           </a:p>
         </p:txBody>
